--- a/Poster.pptx
+++ b/Poster.pptx
@@ -104,6 +104,11 @@
       </a:defRPr>
     </a:lvl9pPr>
   </p:defaultTextStyle>
+  <p:extLst>
+    <p:ext uri="{EFAFB233-063F-42B5-8137-9DF3F51BA10A}">
+      <p15:sldGuideLst xmlns:p15="http://schemas.microsoft.com/office/powerpoint/2012/main"/>
+    </p:ext>
+  </p:extLst>
 </p:presentation>
 </file>
 
@@ -2320,7 +2325,7 @@
           <a:p>
             <a:fld id="{FB6862F1-E970-4543-9C48-06AF413EA094}" type="datetimeFigureOut">
               <a:rPr lang="en-US" smtClean="0"/>
-              <a:t>12/4/2018</a:t>
+              <a:t>12/5/2018</a:t>
             </a:fld>
             <a:endParaRPr lang="en-US"/>
           </a:p>
@@ -2490,7 +2495,7 @@
           <a:p>
             <a:fld id="{FB6862F1-E970-4543-9C48-06AF413EA094}" type="datetimeFigureOut">
               <a:rPr lang="en-US" smtClean="0"/>
-              <a:t>12/4/2018</a:t>
+              <a:t>12/5/2018</a:t>
             </a:fld>
             <a:endParaRPr lang="en-US"/>
           </a:p>
@@ -2670,7 +2675,7 @@
           <a:p>
             <a:fld id="{FB6862F1-E970-4543-9C48-06AF413EA094}" type="datetimeFigureOut">
               <a:rPr lang="en-US" smtClean="0"/>
-              <a:t>12/4/2018</a:t>
+              <a:t>12/5/2018</a:t>
             </a:fld>
             <a:endParaRPr lang="en-US"/>
           </a:p>
@@ -2840,7 +2845,7 @@
           <a:p>
             <a:fld id="{FB6862F1-E970-4543-9C48-06AF413EA094}" type="datetimeFigureOut">
               <a:rPr lang="en-US" smtClean="0"/>
-              <a:t>12/4/2018</a:t>
+              <a:t>12/5/2018</a:t>
             </a:fld>
             <a:endParaRPr lang="en-US"/>
           </a:p>
@@ -3084,7 +3089,7 @@
           <a:p>
             <a:fld id="{FB6862F1-E970-4543-9C48-06AF413EA094}" type="datetimeFigureOut">
               <a:rPr lang="en-US" smtClean="0"/>
-              <a:t>12/4/2018</a:t>
+              <a:t>12/5/2018</a:t>
             </a:fld>
             <a:endParaRPr lang="en-US"/>
           </a:p>
@@ -3316,7 +3321,7 @@
           <a:p>
             <a:fld id="{FB6862F1-E970-4543-9C48-06AF413EA094}" type="datetimeFigureOut">
               <a:rPr lang="en-US" smtClean="0"/>
-              <a:t>12/4/2018</a:t>
+              <a:t>12/5/2018</a:t>
             </a:fld>
             <a:endParaRPr lang="en-US"/>
           </a:p>
@@ -3683,7 +3688,7 @@
           <a:p>
             <a:fld id="{FB6862F1-E970-4543-9C48-06AF413EA094}" type="datetimeFigureOut">
               <a:rPr lang="en-US" smtClean="0"/>
-              <a:t>12/4/2018</a:t>
+              <a:t>12/5/2018</a:t>
             </a:fld>
             <a:endParaRPr lang="en-US"/>
           </a:p>
@@ -3801,7 +3806,7 @@
           <a:p>
             <a:fld id="{FB6862F1-E970-4543-9C48-06AF413EA094}" type="datetimeFigureOut">
               <a:rPr lang="en-US" smtClean="0"/>
-              <a:t>12/4/2018</a:t>
+              <a:t>12/5/2018</a:t>
             </a:fld>
             <a:endParaRPr lang="en-US"/>
           </a:p>
@@ -3896,7 +3901,7 @@
           <a:p>
             <a:fld id="{FB6862F1-E970-4543-9C48-06AF413EA094}" type="datetimeFigureOut">
               <a:rPr lang="en-US" smtClean="0"/>
-              <a:t>12/4/2018</a:t>
+              <a:t>12/5/2018</a:t>
             </a:fld>
             <a:endParaRPr lang="en-US"/>
           </a:p>
@@ -4173,7 +4178,7 @@
           <a:p>
             <a:fld id="{FB6862F1-E970-4543-9C48-06AF413EA094}" type="datetimeFigureOut">
               <a:rPr lang="en-US" smtClean="0"/>
-              <a:t>12/4/2018</a:t>
+              <a:t>12/5/2018</a:t>
             </a:fld>
             <a:endParaRPr lang="en-US"/>
           </a:p>
@@ -4430,7 +4435,7 @@
           <a:p>
             <a:fld id="{FB6862F1-E970-4543-9C48-06AF413EA094}" type="datetimeFigureOut">
               <a:rPr lang="en-US" smtClean="0"/>
-              <a:t>12/4/2018</a:t>
+              <a:t>12/5/2018</a:t>
             </a:fld>
             <a:endParaRPr lang="en-US"/>
           </a:p>
@@ -4643,7 +4648,7 @@
           <a:p>
             <a:fld id="{FB6862F1-E970-4543-9C48-06AF413EA094}" type="datetimeFigureOut">
               <a:rPr lang="en-US" smtClean="0"/>
-              <a:t>12/4/2018</a:t>
+              <a:t>12/5/2018</a:t>
             </a:fld>
             <a:endParaRPr lang="en-US"/>
           </a:p>
@@ -5062,8 +5067,8 @@
         </p:nvSpPr>
         <p:spPr>
           <a:xfrm>
-            <a:off x="8143875" y="1165235"/>
-            <a:ext cx="16630650" cy="3416320"/>
+            <a:off x="5812971" y="748615"/>
+            <a:ext cx="21292458" cy="2308324"/>
           </a:xfrm>
           <a:prstGeom prst="rect">
             <a:avLst/>
@@ -5348,7 +5353,7 @@
         </p:nvSpPr>
         <p:spPr>
           <a:xfrm>
-            <a:off x="0" y="4731619"/>
+            <a:off x="21057556" y="2655486"/>
             <a:ext cx="11201400" cy="4154984"/>
           </a:xfrm>
           <a:prstGeom prst="rect">
@@ -5376,6 +5381,42 @@
           </a:p>
         </p:txBody>
       </p:sp>
+      <p:pic>
+        <p:nvPicPr>
+          <p:cNvPr id="3" name="Picture 2" descr="A screenshot of a cell phone&#10;&#10;Description automatically generated">
+            <a:extLst>
+              <a:ext uri="{FF2B5EF4-FFF2-40B4-BE49-F238E27FC236}">
+                <a16:creationId xmlns:a16="http://schemas.microsoft.com/office/drawing/2014/main" id="{5578F1C1-3C3C-4372-A67B-9CC5639BDA77}"/>
+              </a:ext>
+            </a:extLst>
+          </p:cNvPr>
+          <p:cNvPicPr>
+            <a:picLocks noChangeAspect="1"/>
+          </p:cNvPicPr>
+          <p:nvPr/>
+        </p:nvPicPr>
+        <p:blipFill>
+          <a:blip r:embed="rId5">
+            <a:extLst>
+              <a:ext uri="{28A0092B-C50C-407E-A947-70E740481C1C}">
+                <a14:useLocalDpi xmlns:a14="http://schemas.microsoft.com/office/drawing/2010/main" val="0"/>
+              </a:ext>
+            </a:extLst>
+          </a:blip>
+          <a:stretch>
+            <a:fillRect/>
+          </a:stretch>
+        </p:blipFill>
+        <p:spPr>
+          <a:xfrm>
+            <a:off x="170576" y="3150590"/>
+            <a:ext cx="10677525" cy="18678525"/>
+          </a:xfrm>
+          <a:prstGeom prst="rect">
+            <a:avLst/>
+          </a:prstGeom>
+        </p:spPr>
+      </p:pic>
     </p:spTree>
     <p:extLst>
       <p:ext uri="{BB962C8B-B14F-4D97-AF65-F5344CB8AC3E}">

--- a/Poster.pptx
+++ b/Poster.pptx
@@ -127,6 +127,45 @@
   </mc:AlternateContent>
   <c:chart>
     <c:title>
+      <c:tx>
+        <c:rich>
+          <a:bodyPr rot="0" spcFirstLastPara="1" vertOverflow="ellipsis" vert="horz" wrap="square" anchor="ctr" anchorCtr="1"/>
+          <a:lstStyle/>
+          <a:p>
+            <a:pPr>
+              <a:defRPr sz="3200" b="0" i="0" u="none" strike="noStrike" kern="1200" spc="0" baseline="0">
+                <a:solidFill>
+                  <a:schemeClr val="tx1">
+                    <a:lumMod val="65000"/>
+                    <a:lumOff val="35000"/>
+                  </a:schemeClr>
+                </a:solidFill>
+                <a:latin typeface="Arial" panose="020B0604020202020204" pitchFamily="34" charset="0"/>
+                <a:ea typeface="+mn-ea"/>
+                <a:cs typeface="Arial" panose="020B0604020202020204" pitchFamily="34" charset="0"/>
+              </a:defRPr>
+            </a:pPr>
+            <a:r>
+              <a:rPr lang="en-US" sz="3200" dirty="0">
+                <a:latin typeface="Arial" panose="020B0604020202020204" pitchFamily="34" charset="0"/>
+                <a:cs typeface="Arial" panose="020B0604020202020204" pitchFamily="34" charset="0"/>
+              </a:rPr>
+              <a:t>Automobile</a:t>
+            </a:r>
+            <a:r>
+              <a:rPr lang="en-US" sz="3200" baseline="0" dirty="0">
+                <a:latin typeface="Arial" panose="020B0604020202020204" pitchFamily="34" charset="0"/>
+                <a:cs typeface="Arial" panose="020B0604020202020204" pitchFamily="34" charset="0"/>
+              </a:rPr>
+              <a:t> Network Only</a:t>
+            </a:r>
+            <a:endParaRPr lang="en-US" sz="3200" dirty="0">
+              <a:latin typeface="Arial" panose="020B0604020202020204" pitchFamily="34" charset="0"/>
+              <a:cs typeface="Arial" panose="020B0604020202020204" pitchFamily="34" charset="0"/>
+            </a:endParaRPr>
+          </a:p>
+        </c:rich>
+      </c:tx>
       <c:overlay val="0"/>
       <c:spPr>
         <a:noFill/>
@@ -140,16 +179,16 @@
         <a:lstStyle/>
         <a:p>
           <a:pPr>
-            <a:defRPr sz="1862" b="0" i="0" u="none" strike="noStrike" kern="1200" spc="0" baseline="0">
+            <a:defRPr sz="3200" b="0" i="0" u="none" strike="noStrike" kern="1200" spc="0" baseline="0">
               <a:solidFill>
                 <a:schemeClr val="tx1">
                   <a:lumMod val="65000"/>
                   <a:lumOff val="35000"/>
                 </a:schemeClr>
               </a:solidFill>
-              <a:latin typeface="+mn-lt"/>
+              <a:latin typeface="Arial" panose="020B0604020202020204" pitchFamily="34" charset="0"/>
               <a:ea typeface="+mn-ea"/>
-              <a:cs typeface="+mn-cs"/>
+              <a:cs typeface="Arial" panose="020B0604020202020204" pitchFamily="34" charset="0"/>
             </a:defRPr>
           </a:pPr>
           <a:endParaRPr lang="en-US"/>
@@ -179,7 +218,533 @@
           </c:tx>
           <c:spPr>
             <a:solidFill>
-              <a:schemeClr val="accent1"/>
+              <a:srgbClr val="7030A0"/>
+            </a:solidFill>
+            <a:ln>
+              <a:noFill/>
+            </a:ln>
+            <a:effectLst/>
+          </c:spPr>
+          <c:invertIfNegative val="0"/>
+          <c:cat>
+            <c:strRef>
+              <c:f>Sheet1!$A$2:$A$12</c:f>
+              <c:strCache>
+                <c:ptCount val="11"/>
+                <c:pt idx="0">
+                  <c:v>Airplane</c:v>
+                </c:pt>
+                <c:pt idx="1">
+                  <c:v>Automobile</c:v>
+                </c:pt>
+                <c:pt idx="2">
+                  <c:v>Bird</c:v>
+                </c:pt>
+                <c:pt idx="3">
+                  <c:v>Cat</c:v>
+                </c:pt>
+                <c:pt idx="4">
+                  <c:v>Deer</c:v>
+                </c:pt>
+                <c:pt idx="5">
+                  <c:v>Dog</c:v>
+                </c:pt>
+                <c:pt idx="6">
+                  <c:v>Frog</c:v>
+                </c:pt>
+                <c:pt idx="7">
+                  <c:v>Horse</c:v>
+                </c:pt>
+                <c:pt idx="8">
+                  <c:v>Ship</c:v>
+                </c:pt>
+                <c:pt idx="9">
+                  <c:v>Truck</c:v>
+                </c:pt>
+                <c:pt idx="10">
+                  <c:v>Combined</c:v>
+                </c:pt>
+              </c:strCache>
+            </c:strRef>
+          </c:cat>
+          <c:val>
+            <c:numRef>
+              <c:f>Sheet1!$B$2:$B$12</c:f>
+              <c:numCache>
+                <c:formatCode>General</c:formatCode>
+                <c:ptCount val="11"/>
+                <c:pt idx="0">
+                  <c:v>96.18</c:v>
+                </c:pt>
+                <c:pt idx="1">
+                  <c:v>97.74</c:v>
+                </c:pt>
+                <c:pt idx="2">
+                  <c:v>93.01</c:v>
+                </c:pt>
+                <c:pt idx="3">
+                  <c:v>92.06</c:v>
+                </c:pt>
+                <c:pt idx="4">
+                  <c:v>95.22</c:v>
+                </c:pt>
+                <c:pt idx="5">
+                  <c:v>94.24</c:v>
+                </c:pt>
+                <c:pt idx="6">
+                  <c:v>95.7</c:v>
+                </c:pt>
+                <c:pt idx="7">
+                  <c:v>96.38</c:v>
+                </c:pt>
+                <c:pt idx="8">
+                  <c:v>96.71</c:v>
+                </c:pt>
+                <c:pt idx="9">
+                  <c:v>95.83</c:v>
+                </c:pt>
+                <c:pt idx="10">
+                  <c:v>68.040000000000006</c:v>
+                </c:pt>
+              </c:numCache>
+            </c:numRef>
+          </c:val>
+          <c:extLst>
+            <c:ext xmlns:c16="http://schemas.microsoft.com/office/drawing/2014/chart" uri="{C3380CC4-5D6E-409C-BE32-E72D297353CC}">
+              <c16:uniqueId val="{00000000-2D0F-4D58-B0DC-3489CFEF1550}"/>
+            </c:ext>
+          </c:extLst>
+        </c:ser>
+        <c:ser>
+          <c:idx val="1"/>
+          <c:order val="1"/>
+          <c:tx>
+            <c:strRef>
+              <c:f>Sheet1!$C$1</c:f>
+              <c:strCache>
+                <c:ptCount val="1"/>
+                <c:pt idx="0">
+                  <c:v>Series 2</c:v>
+                </c:pt>
+              </c:strCache>
+            </c:strRef>
+          </c:tx>
+          <c:spPr>
+            <a:solidFill>
+              <a:schemeClr val="accent2"/>
+            </a:solidFill>
+            <a:ln>
+              <a:noFill/>
+            </a:ln>
+            <a:effectLst/>
+          </c:spPr>
+          <c:invertIfNegative val="0"/>
+          <c:cat>
+            <c:strRef>
+              <c:f>Sheet1!$A$2:$A$12</c:f>
+              <c:strCache>
+                <c:ptCount val="11"/>
+                <c:pt idx="0">
+                  <c:v>Airplane</c:v>
+                </c:pt>
+                <c:pt idx="1">
+                  <c:v>Automobile</c:v>
+                </c:pt>
+                <c:pt idx="2">
+                  <c:v>Bird</c:v>
+                </c:pt>
+                <c:pt idx="3">
+                  <c:v>Cat</c:v>
+                </c:pt>
+                <c:pt idx="4">
+                  <c:v>Deer</c:v>
+                </c:pt>
+                <c:pt idx="5">
+                  <c:v>Dog</c:v>
+                </c:pt>
+                <c:pt idx="6">
+                  <c:v>Frog</c:v>
+                </c:pt>
+                <c:pt idx="7">
+                  <c:v>Horse</c:v>
+                </c:pt>
+                <c:pt idx="8">
+                  <c:v>Ship</c:v>
+                </c:pt>
+                <c:pt idx="9">
+                  <c:v>Truck</c:v>
+                </c:pt>
+                <c:pt idx="10">
+                  <c:v>Combined</c:v>
+                </c:pt>
+              </c:strCache>
+            </c:strRef>
+          </c:cat>
+          <c:val>
+            <c:numRef>
+              <c:f>Sheet1!$C$2:$C$12</c:f>
+              <c:numCache>
+                <c:formatCode>General</c:formatCode>
+                <c:ptCount val="11"/>
+              </c:numCache>
+            </c:numRef>
+          </c:val>
+          <c:extLst>
+            <c:ext xmlns:c16="http://schemas.microsoft.com/office/drawing/2014/chart" uri="{C3380CC4-5D6E-409C-BE32-E72D297353CC}">
+              <c16:uniqueId val="{00000001-2D0F-4D58-B0DC-3489CFEF1550}"/>
+            </c:ext>
+          </c:extLst>
+        </c:ser>
+        <c:ser>
+          <c:idx val="2"/>
+          <c:order val="2"/>
+          <c:tx>
+            <c:strRef>
+              <c:f>Sheet1!$D$1</c:f>
+              <c:strCache>
+                <c:ptCount val="1"/>
+                <c:pt idx="0">
+                  <c:v>Series 3</c:v>
+                </c:pt>
+              </c:strCache>
+            </c:strRef>
+          </c:tx>
+          <c:spPr>
+            <a:solidFill>
+              <a:schemeClr val="accent3"/>
+            </a:solidFill>
+            <a:ln>
+              <a:noFill/>
+            </a:ln>
+            <a:effectLst/>
+          </c:spPr>
+          <c:invertIfNegative val="0"/>
+          <c:cat>
+            <c:strRef>
+              <c:f>Sheet1!$A$2:$A$12</c:f>
+              <c:strCache>
+                <c:ptCount val="11"/>
+                <c:pt idx="0">
+                  <c:v>Airplane</c:v>
+                </c:pt>
+                <c:pt idx="1">
+                  <c:v>Automobile</c:v>
+                </c:pt>
+                <c:pt idx="2">
+                  <c:v>Bird</c:v>
+                </c:pt>
+                <c:pt idx="3">
+                  <c:v>Cat</c:v>
+                </c:pt>
+                <c:pt idx="4">
+                  <c:v>Deer</c:v>
+                </c:pt>
+                <c:pt idx="5">
+                  <c:v>Dog</c:v>
+                </c:pt>
+                <c:pt idx="6">
+                  <c:v>Frog</c:v>
+                </c:pt>
+                <c:pt idx="7">
+                  <c:v>Horse</c:v>
+                </c:pt>
+                <c:pt idx="8">
+                  <c:v>Ship</c:v>
+                </c:pt>
+                <c:pt idx="9">
+                  <c:v>Truck</c:v>
+                </c:pt>
+                <c:pt idx="10">
+                  <c:v>Combined</c:v>
+                </c:pt>
+              </c:strCache>
+            </c:strRef>
+          </c:cat>
+          <c:val>
+            <c:numRef>
+              <c:f>Sheet1!$D$2:$D$12</c:f>
+              <c:numCache>
+                <c:formatCode>General</c:formatCode>
+                <c:ptCount val="11"/>
+              </c:numCache>
+            </c:numRef>
+          </c:val>
+          <c:extLst>
+            <c:ext xmlns:c16="http://schemas.microsoft.com/office/drawing/2014/chart" uri="{C3380CC4-5D6E-409C-BE32-E72D297353CC}">
+              <c16:uniqueId val="{00000002-2D0F-4D58-B0DC-3489CFEF1550}"/>
+            </c:ext>
+          </c:extLst>
+        </c:ser>
+        <c:dLbls>
+          <c:showLegendKey val="0"/>
+          <c:showVal val="0"/>
+          <c:showCatName val="0"/>
+          <c:showSerName val="0"/>
+          <c:showPercent val="0"/>
+          <c:showBubbleSize val="0"/>
+        </c:dLbls>
+        <c:gapWidth val="150"/>
+        <c:overlap val="100"/>
+        <c:axId val="571881784"/>
+        <c:axId val="571882440"/>
+      </c:barChart>
+      <c:catAx>
+        <c:axId val="571881784"/>
+        <c:scaling>
+          <c:orientation val="minMax"/>
+        </c:scaling>
+        <c:delete val="0"/>
+        <c:axPos val="b"/>
+        <c:numFmt formatCode="General" sourceLinked="1"/>
+        <c:majorTickMark val="none"/>
+        <c:minorTickMark val="none"/>
+        <c:tickLblPos val="nextTo"/>
+        <c:spPr>
+          <a:noFill/>
+          <a:ln w="9525" cap="flat" cmpd="sng" algn="ctr">
+            <a:solidFill>
+              <a:schemeClr val="tx1">
+                <a:lumMod val="15000"/>
+                <a:lumOff val="85000"/>
+              </a:schemeClr>
+            </a:solidFill>
+            <a:round/>
+          </a:ln>
+          <a:effectLst/>
+        </c:spPr>
+        <c:txPr>
+          <a:bodyPr rot="-60000000" spcFirstLastPara="1" vertOverflow="ellipsis" vert="horz" wrap="square" anchor="ctr" anchorCtr="1"/>
+          <a:lstStyle/>
+          <a:p>
+            <a:pPr>
+              <a:defRPr sz="1800" b="0" i="0" u="none" strike="noStrike" kern="1200" baseline="0">
+                <a:solidFill>
+                  <a:schemeClr val="tx1">
+                    <a:lumMod val="65000"/>
+                    <a:lumOff val="35000"/>
+                  </a:schemeClr>
+                </a:solidFill>
+                <a:latin typeface="Arial" panose="020B0604020202020204" pitchFamily="34" charset="0"/>
+                <a:ea typeface="+mn-ea"/>
+                <a:cs typeface="Arial" panose="020B0604020202020204" pitchFamily="34" charset="0"/>
+              </a:defRPr>
+            </a:pPr>
+            <a:endParaRPr lang="en-US"/>
+          </a:p>
+        </c:txPr>
+        <c:crossAx val="571882440"/>
+        <c:crosses val="autoZero"/>
+        <c:auto val="1"/>
+        <c:lblAlgn val="ctr"/>
+        <c:lblOffset val="100"/>
+        <c:noMultiLvlLbl val="0"/>
+      </c:catAx>
+      <c:valAx>
+        <c:axId val="571882440"/>
+        <c:scaling>
+          <c:orientation val="minMax"/>
+          <c:max val="100"/>
+        </c:scaling>
+        <c:delete val="0"/>
+        <c:axPos val="l"/>
+        <c:majorGridlines>
+          <c:spPr>
+            <a:ln w="9525" cap="flat" cmpd="sng" algn="ctr">
+              <a:solidFill>
+                <a:schemeClr val="tx1">
+                  <a:lumMod val="15000"/>
+                  <a:lumOff val="85000"/>
+                </a:schemeClr>
+              </a:solidFill>
+              <a:round/>
+            </a:ln>
+            <a:effectLst/>
+          </c:spPr>
+        </c:majorGridlines>
+        <c:numFmt formatCode="General" sourceLinked="1"/>
+        <c:majorTickMark val="none"/>
+        <c:minorTickMark val="none"/>
+        <c:tickLblPos val="nextTo"/>
+        <c:spPr>
+          <a:noFill/>
+          <a:ln>
+            <a:noFill/>
+          </a:ln>
+          <a:effectLst/>
+        </c:spPr>
+        <c:txPr>
+          <a:bodyPr rot="-60000000" spcFirstLastPara="1" vertOverflow="ellipsis" vert="horz" wrap="square" anchor="ctr" anchorCtr="1"/>
+          <a:lstStyle/>
+          <a:p>
+            <a:pPr>
+              <a:defRPr sz="1197" b="0" i="0" u="none" strike="noStrike" kern="1200" baseline="0">
+                <a:solidFill>
+                  <a:schemeClr val="tx1">
+                    <a:lumMod val="65000"/>
+                    <a:lumOff val="35000"/>
+                  </a:schemeClr>
+                </a:solidFill>
+                <a:latin typeface="+mn-lt"/>
+                <a:ea typeface="+mn-ea"/>
+                <a:cs typeface="+mn-cs"/>
+              </a:defRPr>
+            </a:pPr>
+            <a:endParaRPr lang="en-US"/>
+          </a:p>
+        </c:txPr>
+        <c:crossAx val="571881784"/>
+        <c:crosses val="autoZero"/>
+        <c:crossBetween val="between"/>
+      </c:valAx>
+      <c:spPr>
+        <a:noFill/>
+        <a:ln>
+          <a:noFill/>
+        </a:ln>
+        <a:effectLst/>
+      </c:spPr>
+    </c:plotArea>
+    <c:plotVisOnly val="1"/>
+    <c:dispBlanksAs val="gap"/>
+    <c:extLst>
+      <c:ext xmlns:c16r3="http://schemas.microsoft.com/office/drawing/2017/03/chart" uri="{56B9EC1D-385E-4148-901F-78D8002777C0}">
+        <c16r3:dataDisplayOptions16>
+          <c16r3:dispNaAsBlank val="1"/>
+        </c16r3:dataDisplayOptions16>
+      </c:ext>
+    </c:extLst>
+    <c:showDLblsOverMax val="0"/>
+  </c:chart>
+  <c:spPr>
+    <a:noFill/>
+    <a:ln>
+      <a:noFill/>
+    </a:ln>
+    <a:effectLst/>
+  </c:spPr>
+  <c:txPr>
+    <a:bodyPr/>
+    <a:lstStyle/>
+    <a:p>
+      <a:pPr>
+        <a:defRPr/>
+      </a:pPr>
+      <a:endParaRPr lang="en-US"/>
+    </a:p>
+  </c:txPr>
+  <c:externalData r:id="rId3">
+    <c:autoUpdate val="0"/>
+  </c:externalData>
+</c:chartSpace>
+</file>
+
+<file path=ppt/charts/chart2.xml><?xml version="1.0" encoding="utf-8"?>
+<c:chartSpace xmlns:c="http://schemas.openxmlformats.org/drawingml/2006/chart" xmlns:a="http://schemas.openxmlformats.org/drawingml/2006/main" xmlns:r="http://schemas.openxmlformats.org/officeDocument/2006/relationships" xmlns:c16r2="http://schemas.microsoft.com/office/drawing/2015/06/chart">
+  <c:date1904 val="0"/>
+  <c:lang val="en-US"/>
+  <c:roundedCorners val="0"/>
+  <mc:AlternateContent xmlns:mc="http://schemas.openxmlformats.org/markup-compatibility/2006">
+    <mc:Choice xmlns:c14="http://schemas.microsoft.com/office/drawing/2007/8/2/chart" Requires="c14">
+      <c14:style val="102"/>
+    </mc:Choice>
+    <mc:Fallback>
+      <c:style val="2"/>
+    </mc:Fallback>
+  </mc:AlternateContent>
+  <c:chart>
+    <c:title>
+      <c:tx>
+        <c:rich>
+          <a:bodyPr rot="0" spcFirstLastPara="1" vertOverflow="ellipsis" vert="horz" wrap="square" anchor="ctr" anchorCtr="1"/>
+          <a:lstStyle/>
+          <a:p>
+            <a:pPr>
+              <a:defRPr sz="3200" b="0" i="0" u="none" strike="noStrike" kern="1200" spc="0" baseline="0">
+                <a:solidFill>
+                  <a:schemeClr val="tx1">
+                    <a:lumMod val="65000"/>
+                    <a:lumOff val="35000"/>
+                  </a:schemeClr>
+                </a:solidFill>
+                <a:latin typeface="Arial" panose="020B0604020202020204" pitchFamily="34" charset="0"/>
+                <a:ea typeface="+mn-ea"/>
+                <a:cs typeface="Arial" panose="020B0604020202020204" pitchFamily="34" charset="0"/>
+              </a:defRPr>
+            </a:pPr>
+            <a:r>
+              <a:rPr lang="en-US" sz="3200" dirty="0">
+                <a:latin typeface="Arial" panose="020B0604020202020204" pitchFamily="34" charset="0"/>
+                <a:cs typeface="Arial" panose="020B0604020202020204" pitchFamily="34" charset="0"/>
+              </a:rPr>
+              <a:t>Individual</a:t>
+            </a:r>
+            <a:r>
+              <a:rPr lang="en-US" sz="3200" baseline="0" dirty="0">
+                <a:latin typeface="Arial" panose="020B0604020202020204" pitchFamily="34" charset="0"/>
+                <a:cs typeface="Arial" panose="020B0604020202020204" pitchFamily="34" charset="0"/>
+              </a:rPr>
+              <a:t> Network Performance</a:t>
+            </a:r>
+            <a:endParaRPr lang="en-US" sz="3200" dirty="0">
+              <a:latin typeface="Arial" panose="020B0604020202020204" pitchFamily="34" charset="0"/>
+              <a:cs typeface="Arial" panose="020B0604020202020204" pitchFamily="34" charset="0"/>
+            </a:endParaRPr>
+          </a:p>
+        </c:rich>
+      </c:tx>
+      <c:overlay val="0"/>
+      <c:spPr>
+        <a:noFill/>
+        <a:ln>
+          <a:noFill/>
+        </a:ln>
+        <a:effectLst/>
+      </c:spPr>
+      <c:txPr>
+        <a:bodyPr rot="0" spcFirstLastPara="1" vertOverflow="ellipsis" vert="horz" wrap="square" anchor="ctr" anchorCtr="1"/>
+        <a:lstStyle/>
+        <a:p>
+          <a:pPr>
+            <a:defRPr sz="3200" b="0" i="0" u="none" strike="noStrike" kern="1200" spc="0" baseline="0">
+              <a:solidFill>
+                <a:schemeClr val="tx1">
+                  <a:lumMod val="65000"/>
+                  <a:lumOff val="35000"/>
+                </a:schemeClr>
+              </a:solidFill>
+              <a:latin typeface="Arial" panose="020B0604020202020204" pitchFamily="34" charset="0"/>
+              <a:ea typeface="+mn-ea"/>
+              <a:cs typeface="Arial" panose="020B0604020202020204" pitchFamily="34" charset="0"/>
+            </a:defRPr>
+          </a:pPr>
+          <a:endParaRPr lang="en-US"/>
+        </a:p>
+      </c:txPr>
+    </c:title>
+    <c:autoTitleDeleted val="0"/>
+    <c:plotArea>
+      <c:layout/>
+      <c:barChart>
+        <c:barDir val="col"/>
+        <c:grouping val="stacked"/>
+        <c:varyColors val="0"/>
+        <c:ser>
+          <c:idx val="0"/>
+          <c:order val="0"/>
+          <c:tx>
+            <c:strRef>
+              <c:f>Sheet1!$B$1</c:f>
+              <c:strCache>
+                <c:ptCount val="1"/>
+                <c:pt idx="0">
+                  <c:v>Accuracy</c:v>
+                </c:pt>
+              </c:strCache>
+            </c:strRef>
+          </c:tx>
+          <c:spPr>
+            <a:solidFill>
+              <a:srgbClr val="7030A0"/>
             </a:solidFill>
             <a:ln>
               <a:noFill/>
@@ -238,40 +803,40 @@
                 <c:formatCode>General</c:formatCode>
                 <c:ptCount val="12"/>
                 <c:pt idx="0">
-                  <c:v>70</c:v>
+                  <c:v>96.15</c:v>
                 </c:pt>
                 <c:pt idx="1">
-                  <c:v>70</c:v>
+                  <c:v>97.53</c:v>
                 </c:pt>
                 <c:pt idx="2">
-                  <c:v>75</c:v>
+                  <c:v>95.42</c:v>
                 </c:pt>
                 <c:pt idx="3">
-                  <c:v>62</c:v>
+                  <c:v>93.13</c:v>
                 </c:pt>
                 <c:pt idx="4">
-                  <c:v>31</c:v>
+                  <c:v>96.37</c:v>
                 </c:pt>
                 <c:pt idx="5">
-                  <c:v>76</c:v>
+                  <c:v>96.04</c:v>
                 </c:pt>
                 <c:pt idx="6">
-                  <c:v>22</c:v>
+                  <c:v>96.31</c:v>
                 </c:pt>
                 <c:pt idx="7">
-                  <c:v>11</c:v>
+                  <c:v>96.44</c:v>
                 </c:pt>
                 <c:pt idx="8">
-                  <c:v>97</c:v>
+                  <c:v>97.02</c:v>
                 </c:pt>
                 <c:pt idx="9">
-                  <c:v>80</c:v>
+                  <c:v>96.92</c:v>
                 </c:pt>
                 <c:pt idx="10">
-                  <c:v>72</c:v>
+                  <c:v>73.47</c:v>
                 </c:pt>
                 <c:pt idx="11">
-                  <c:v>81</c:v>
+                  <c:v>81.900000000000006</c:v>
                 </c:pt>
               </c:numCache>
             </c:numRef>
@@ -490,7 +1055,7 @@
           <a:lstStyle/>
           <a:p>
             <a:pPr>
-              <a:defRPr sz="1197" b="0" i="0" u="none" strike="noStrike" kern="1200" baseline="0">
+              <a:defRPr sz="1800" b="0" i="0" u="none" strike="noStrike" kern="1200" baseline="0">
                 <a:solidFill>
                   <a:schemeClr val="tx1">
                     <a:lumMod val="65000"/>
@@ -516,6 +1081,7 @@
         <c:axId val="540051120"/>
         <c:scaling>
           <c:orientation val="minMax"/>
+          <c:max val="100"/>
         </c:scaling>
         <c:delete val="0"/>
         <c:axPos val="l"/>
@@ -549,7 +1115,7 @@
           <a:lstStyle/>
           <a:p>
             <a:pPr>
-              <a:defRPr sz="1197" b="0" i="0" u="none" strike="noStrike" kern="1200" baseline="0">
+              <a:defRPr sz="1800" b="0" i="0" u="none" strike="noStrike" kern="1200" baseline="0">
                 <a:solidFill>
                   <a:schemeClr val="tx1">
                     <a:lumMod val="65000"/>
@@ -576,37 +1142,6 @@
         <a:effectLst/>
       </c:spPr>
     </c:plotArea>
-    <c:legend>
-      <c:legendPos val="b"/>
-      <c:overlay val="0"/>
-      <c:spPr>
-        <a:noFill/>
-        <a:ln>
-          <a:noFill/>
-        </a:ln>
-        <a:effectLst/>
-      </c:spPr>
-      <c:txPr>
-        <a:bodyPr rot="0" spcFirstLastPara="1" vertOverflow="ellipsis" vert="horz" wrap="square" anchor="ctr" anchorCtr="1"/>
-        <a:lstStyle/>
-        <a:p>
-          <a:pPr>
-            <a:defRPr sz="1197" b="0" i="0" u="none" strike="noStrike" kern="1200" baseline="0">
-              <a:solidFill>
-                <a:schemeClr val="tx1">
-                  <a:lumMod val="65000"/>
-                  <a:lumOff val="35000"/>
-                </a:schemeClr>
-              </a:solidFill>
-              <a:latin typeface="+mn-lt"/>
-              <a:ea typeface="+mn-ea"/>
-              <a:cs typeface="+mn-cs"/>
-            </a:defRPr>
-          </a:pPr>
-          <a:endParaRPr lang="en-US"/>
-        </a:p>
-      </c:txPr>
-    </c:legend>
     <c:plotVisOnly val="1"/>
     <c:dispBlanksAs val="gap"/>
     <c:extLst>
@@ -622,471 +1157,8 @@
     <a:noFill/>
     <a:ln>
       <a:solidFill>
-        <a:schemeClr val="tx1"/>
+        <a:schemeClr val="bg1"/>
       </a:solidFill>
-    </a:ln>
-    <a:effectLst/>
-  </c:spPr>
-  <c:txPr>
-    <a:bodyPr/>
-    <a:lstStyle/>
-    <a:p>
-      <a:pPr>
-        <a:defRPr/>
-      </a:pPr>
-      <a:endParaRPr lang="en-US"/>
-    </a:p>
-  </c:txPr>
-  <c:externalData r:id="rId3">
-    <c:autoUpdate val="0"/>
-  </c:externalData>
-</c:chartSpace>
-</file>
-
-<file path=ppt/charts/chart2.xml><?xml version="1.0" encoding="utf-8"?>
-<c:chartSpace xmlns:c="http://schemas.openxmlformats.org/drawingml/2006/chart" xmlns:a="http://schemas.openxmlformats.org/drawingml/2006/main" xmlns:r="http://schemas.openxmlformats.org/officeDocument/2006/relationships" xmlns:c16r2="http://schemas.microsoft.com/office/drawing/2015/06/chart">
-  <c:date1904 val="0"/>
-  <c:lang val="en-US"/>
-  <c:roundedCorners val="0"/>
-  <mc:AlternateContent xmlns:mc="http://schemas.openxmlformats.org/markup-compatibility/2006">
-    <mc:Choice xmlns:c14="http://schemas.microsoft.com/office/drawing/2007/8/2/chart" Requires="c14">
-      <c14:style val="102"/>
-    </mc:Choice>
-    <mc:Fallback>
-      <c:style val="2"/>
-    </mc:Fallback>
-  </mc:AlternateContent>
-  <c:chart>
-    <c:title>
-      <c:overlay val="0"/>
-      <c:spPr>
-        <a:noFill/>
-        <a:ln>
-          <a:noFill/>
-        </a:ln>
-        <a:effectLst/>
-      </c:spPr>
-      <c:txPr>
-        <a:bodyPr rot="0" spcFirstLastPara="1" vertOverflow="ellipsis" vert="horz" wrap="square" anchor="ctr" anchorCtr="1"/>
-        <a:lstStyle/>
-        <a:p>
-          <a:pPr>
-            <a:defRPr sz="1862" b="0" i="0" u="none" strike="noStrike" kern="1200" spc="0" baseline="0">
-              <a:solidFill>
-                <a:schemeClr val="tx1">
-                  <a:lumMod val="65000"/>
-                  <a:lumOff val="35000"/>
-                </a:schemeClr>
-              </a:solidFill>
-              <a:latin typeface="+mn-lt"/>
-              <a:ea typeface="+mn-ea"/>
-              <a:cs typeface="+mn-cs"/>
-            </a:defRPr>
-          </a:pPr>
-          <a:endParaRPr lang="en-US"/>
-        </a:p>
-      </c:txPr>
-    </c:title>
-    <c:autoTitleDeleted val="0"/>
-    <c:plotArea>
-      <c:layout/>
-      <c:barChart>
-        <c:barDir val="col"/>
-        <c:grouping val="stacked"/>
-        <c:varyColors val="0"/>
-        <c:ser>
-          <c:idx val="0"/>
-          <c:order val="0"/>
-          <c:tx>
-            <c:strRef>
-              <c:f>Sheet1!$B$1</c:f>
-              <c:strCache>
-                <c:ptCount val="1"/>
-                <c:pt idx="0">
-                  <c:v>Series 1</c:v>
-                </c:pt>
-              </c:strCache>
-            </c:strRef>
-          </c:tx>
-          <c:spPr>
-            <a:solidFill>
-              <a:schemeClr val="accent1"/>
-            </a:solidFill>
-            <a:ln>
-              <a:noFill/>
-            </a:ln>
-            <a:effectLst/>
-          </c:spPr>
-          <c:invertIfNegative val="0"/>
-          <c:cat>
-            <c:strRef>
-              <c:f>Sheet1!$A$2:$A$12</c:f>
-              <c:strCache>
-                <c:ptCount val="11"/>
-                <c:pt idx="0">
-                  <c:v>Category 1</c:v>
-                </c:pt>
-                <c:pt idx="1">
-                  <c:v>Category 2</c:v>
-                </c:pt>
-                <c:pt idx="2">
-                  <c:v>Category 3</c:v>
-                </c:pt>
-                <c:pt idx="3">
-                  <c:v>Category 4</c:v>
-                </c:pt>
-                <c:pt idx="10">
-                  <c:v>everything</c:v>
-                </c:pt>
-              </c:strCache>
-            </c:strRef>
-          </c:cat>
-          <c:val>
-            <c:numRef>
-              <c:f>Sheet1!$B$2:$B$12</c:f>
-              <c:numCache>
-                <c:formatCode>General</c:formatCode>
-                <c:ptCount val="11"/>
-                <c:pt idx="0">
-                  <c:v>92</c:v>
-                </c:pt>
-                <c:pt idx="1">
-                  <c:v>9</c:v>
-                </c:pt>
-                <c:pt idx="2">
-                  <c:v>9</c:v>
-                </c:pt>
-                <c:pt idx="3">
-                  <c:v>9</c:v>
-                </c:pt>
-                <c:pt idx="4">
-                  <c:v>9</c:v>
-                </c:pt>
-                <c:pt idx="5">
-                  <c:v>9</c:v>
-                </c:pt>
-                <c:pt idx="6">
-                  <c:v>9</c:v>
-                </c:pt>
-                <c:pt idx="7">
-                  <c:v>9</c:v>
-                </c:pt>
-                <c:pt idx="8">
-                  <c:v>9</c:v>
-                </c:pt>
-                <c:pt idx="9">
-                  <c:v>9</c:v>
-                </c:pt>
-                <c:pt idx="10">
-                  <c:v>9</c:v>
-                </c:pt>
-              </c:numCache>
-            </c:numRef>
-          </c:val>
-          <c:extLst>
-            <c:ext xmlns:c16="http://schemas.microsoft.com/office/drawing/2014/chart" uri="{C3380CC4-5D6E-409C-BE32-E72D297353CC}">
-              <c16:uniqueId val="{00000000-2D0F-4D58-B0DC-3489CFEF1550}"/>
-            </c:ext>
-          </c:extLst>
-        </c:ser>
-        <c:ser>
-          <c:idx val="1"/>
-          <c:order val="1"/>
-          <c:tx>
-            <c:strRef>
-              <c:f>Sheet1!$C$1</c:f>
-              <c:strCache>
-                <c:ptCount val="1"/>
-                <c:pt idx="0">
-                  <c:v>Series 2</c:v>
-                </c:pt>
-              </c:strCache>
-            </c:strRef>
-          </c:tx>
-          <c:spPr>
-            <a:solidFill>
-              <a:schemeClr val="accent2"/>
-            </a:solidFill>
-            <a:ln>
-              <a:noFill/>
-            </a:ln>
-            <a:effectLst/>
-          </c:spPr>
-          <c:invertIfNegative val="0"/>
-          <c:cat>
-            <c:strRef>
-              <c:f>Sheet1!$A$2:$A$12</c:f>
-              <c:strCache>
-                <c:ptCount val="11"/>
-                <c:pt idx="0">
-                  <c:v>Category 1</c:v>
-                </c:pt>
-                <c:pt idx="1">
-                  <c:v>Category 2</c:v>
-                </c:pt>
-                <c:pt idx="2">
-                  <c:v>Category 3</c:v>
-                </c:pt>
-                <c:pt idx="3">
-                  <c:v>Category 4</c:v>
-                </c:pt>
-                <c:pt idx="10">
-                  <c:v>everything</c:v>
-                </c:pt>
-              </c:strCache>
-            </c:strRef>
-          </c:cat>
-          <c:val>
-            <c:numRef>
-              <c:f>Sheet1!$C$2:$C$12</c:f>
-              <c:numCache>
-                <c:formatCode>General</c:formatCode>
-                <c:ptCount val="11"/>
-              </c:numCache>
-            </c:numRef>
-          </c:val>
-          <c:extLst>
-            <c:ext xmlns:c16="http://schemas.microsoft.com/office/drawing/2014/chart" uri="{C3380CC4-5D6E-409C-BE32-E72D297353CC}">
-              <c16:uniqueId val="{00000001-2D0F-4D58-B0DC-3489CFEF1550}"/>
-            </c:ext>
-          </c:extLst>
-        </c:ser>
-        <c:ser>
-          <c:idx val="2"/>
-          <c:order val="2"/>
-          <c:tx>
-            <c:strRef>
-              <c:f>Sheet1!$D$1</c:f>
-              <c:strCache>
-                <c:ptCount val="1"/>
-                <c:pt idx="0">
-                  <c:v>Series 3</c:v>
-                </c:pt>
-              </c:strCache>
-            </c:strRef>
-          </c:tx>
-          <c:spPr>
-            <a:solidFill>
-              <a:schemeClr val="accent3"/>
-            </a:solidFill>
-            <a:ln>
-              <a:noFill/>
-            </a:ln>
-            <a:effectLst/>
-          </c:spPr>
-          <c:invertIfNegative val="0"/>
-          <c:cat>
-            <c:strRef>
-              <c:f>Sheet1!$A$2:$A$12</c:f>
-              <c:strCache>
-                <c:ptCount val="11"/>
-                <c:pt idx="0">
-                  <c:v>Category 1</c:v>
-                </c:pt>
-                <c:pt idx="1">
-                  <c:v>Category 2</c:v>
-                </c:pt>
-                <c:pt idx="2">
-                  <c:v>Category 3</c:v>
-                </c:pt>
-                <c:pt idx="3">
-                  <c:v>Category 4</c:v>
-                </c:pt>
-                <c:pt idx="10">
-                  <c:v>everything</c:v>
-                </c:pt>
-              </c:strCache>
-            </c:strRef>
-          </c:cat>
-          <c:val>
-            <c:numRef>
-              <c:f>Sheet1!$D$2:$D$12</c:f>
-              <c:numCache>
-                <c:formatCode>General</c:formatCode>
-                <c:ptCount val="11"/>
-              </c:numCache>
-            </c:numRef>
-          </c:val>
-          <c:extLst>
-            <c:ext xmlns:c16="http://schemas.microsoft.com/office/drawing/2014/chart" uri="{C3380CC4-5D6E-409C-BE32-E72D297353CC}">
-              <c16:uniqueId val="{00000002-2D0F-4D58-B0DC-3489CFEF1550}"/>
-            </c:ext>
-          </c:extLst>
-        </c:ser>
-        <c:dLbls>
-          <c:showLegendKey val="0"/>
-          <c:showVal val="0"/>
-          <c:showCatName val="0"/>
-          <c:showSerName val="0"/>
-          <c:showPercent val="0"/>
-          <c:showBubbleSize val="0"/>
-        </c:dLbls>
-        <c:gapWidth val="150"/>
-        <c:overlap val="100"/>
-        <c:axId val="571881784"/>
-        <c:axId val="571882440"/>
-      </c:barChart>
-      <c:catAx>
-        <c:axId val="571881784"/>
-        <c:scaling>
-          <c:orientation val="minMax"/>
-        </c:scaling>
-        <c:delete val="0"/>
-        <c:axPos val="b"/>
-        <c:numFmt formatCode="General" sourceLinked="1"/>
-        <c:majorTickMark val="none"/>
-        <c:minorTickMark val="none"/>
-        <c:tickLblPos val="nextTo"/>
-        <c:spPr>
-          <a:noFill/>
-          <a:ln w="9525" cap="flat" cmpd="sng" algn="ctr">
-            <a:solidFill>
-              <a:schemeClr val="tx1">
-                <a:lumMod val="15000"/>
-                <a:lumOff val="85000"/>
-              </a:schemeClr>
-            </a:solidFill>
-            <a:round/>
-          </a:ln>
-          <a:effectLst/>
-        </c:spPr>
-        <c:txPr>
-          <a:bodyPr rot="-60000000" spcFirstLastPara="1" vertOverflow="ellipsis" vert="horz" wrap="square" anchor="ctr" anchorCtr="1"/>
-          <a:lstStyle/>
-          <a:p>
-            <a:pPr>
-              <a:defRPr sz="1197" b="0" i="0" u="none" strike="noStrike" kern="1200" baseline="0">
-                <a:solidFill>
-                  <a:schemeClr val="tx1">
-                    <a:lumMod val="65000"/>
-                    <a:lumOff val="35000"/>
-                  </a:schemeClr>
-                </a:solidFill>
-                <a:latin typeface="+mn-lt"/>
-                <a:ea typeface="+mn-ea"/>
-                <a:cs typeface="+mn-cs"/>
-              </a:defRPr>
-            </a:pPr>
-            <a:endParaRPr lang="en-US"/>
-          </a:p>
-        </c:txPr>
-        <c:crossAx val="571882440"/>
-        <c:crosses val="autoZero"/>
-        <c:auto val="1"/>
-        <c:lblAlgn val="ctr"/>
-        <c:lblOffset val="100"/>
-        <c:noMultiLvlLbl val="0"/>
-      </c:catAx>
-      <c:valAx>
-        <c:axId val="571882440"/>
-        <c:scaling>
-          <c:orientation val="minMax"/>
-        </c:scaling>
-        <c:delete val="0"/>
-        <c:axPos val="l"/>
-        <c:majorGridlines>
-          <c:spPr>
-            <a:ln w="9525" cap="flat" cmpd="sng" algn="ctr">
-              <a:solidFill>
-                <a:schemeClr val="tx1">
-                  <a:lumMod val="15000"/>
-                  <a:lumOff val="85000"/>
-                </a:schemeClr>
-              </a:solidFill>
-              <a:round/>
-            </a:ln>
-            <a:effectLst/>
-          </c:spPr>
-        </c:majorGridlines>
-        <c:numFmt formatCode="General" sourceLinked="1"/>
-        <c:majorTickMark val="none"/>
-        <c:minorTickMark val="none"/>
-        <c:tickLblPos val="nextTo"/>
-        <c:spPr>
-          <a:noFill/>
-          <a:ln>
-            <a:noFill/>
-          </a:ln>
-          <a:effectLst/>
-        </c:spPr>
-        <c:txPr>
-          <a:bodyPr rot="-60000000" spcFirstLastPara="1" vertOverflow="ellipsis" vert="horz" wrap="square" anchor="ctr" anchorCtr="1"/>
-          <a:lstStyle/>
-          <a:p>
-            <a:pPr>
-              <a:defRPr sz="1197" b="0" i="0" u="none" strike="noStrike" kern="1200" baseline="0">
-                <a:solidFill>
-                  <a:schemeClr val="tx1">
-                    <a:lumMod val="65000"/>
-                    <a:lumOff val="35000"/>
-                  </a:schemeClr>
-                </a:solidFill>
-                <a:latin typeface="+mn-lt"/>
-                <a:ea typeface="+mn-ea"/>
-                <a:cs typeface="+mn-cs"/>
-              </a:defRPr>
-            </a:pPr>
-            <a:endParaRPr lang="en-US"/>
-          </a:p>
-        </c:txPr>
-        <c:crossAx val="571881784"/>
-        <c:crosses val="autoZero"/>
-        <c:crossBetween val="between"/>
-      </c:valAx>
-      <c:spPr>
-        <a:noFill/>
-        <a:ln>
-          <a:noFill/>
-        </a:ln>
-        <a:effectLst/>
-      </c:spPr>
-    </c:plotArea>
-    <c:legend>
-      <c:legendPos val="b"/>
-      <c:overlay val="0"/>
-      <c:spPr>
-        <a:noFill/>
-        <a:ln>
-          <a:noFill/>
-        </a:ln>
-        <a:effectLst/>
-      </c:spPr>
-      <c:txPr>
-        <a:bodyPr rot="0" spcFirstLastPara="1" vertOverflow="ellipsis" vert="horz" wrap="square" anchor="ctr" anchorCtr="1"/>
-        <a:lstStyle/>
-        <a:p>
-          <a:pPr>
-            <a:defRPr sz="1197" b="0" i="0" u="none" strike="noStrike" kern="1200" baseline="0">
-              <a:solidFill>
-                <a:schemeClr val="tx1">
-                  <a:lumMod val="65000"/>
-                  <a:lumOff val="35000"/>
-                </a:schemeClr>
-              </a:solidFill>
-              <a:latin typeface="+mn-lt"/>
-              <a:ea typeface="+mn-ea"/>
-              <a:cs typeface="+mn-cs"/>
-            </a:defRPr>
-          </a:pPr>
-          <a:endParaRPr lang="en-US"/>
-        </a:p>
-      </c:txPr>
-    </c:legend>
-    <c:plotVisOnly val="1"/>
-    <c:dispBlanksAs val="gap"/>
-    <c:extLst>
-      <c:ext xmlns:c16r3="http://schemas.microsoft.com/office/drawing/2017/03/chart" uri="{56B9EC1D-385E-4148-901F-78D8002777C0}">
-        <c16r3:dataDisplayOptions16>
-          <c16r3:dispNaAsBlank val="1"/>
-        </c16r3:dataDisplayOptions16>
-      </c:ext>
-    </c:extLst>
-    <c:showDLblsOverMax val="0"/>
-  </c:chart>
-  <c:spPr>
-    <a:noFill/>
-    <a:ln>
-      <a:noFill/>
     </a:ln>
     <a:effectLst/>
   </c:spPr>
@@ -1187,7 +1259,7 @@
 </file>
 
 <file path=ppt/charts/style1.xml><?xml version="1.0" encoding="utf-8"?>
-<cs:chartStyle xmlns:cs="http://schemas.microsoft.com/office/drawing/2012/chartStyle" xmlns:a="http://schemas.openxmlformats.org/drawingml/2006/main" id="201">
+<cs:chartStyle xmlns:cs="http://schemas.microsoft.com/office/drawing/2012/chartStyle" xmlns:a="http://schemas.openxmlformats.org/drawingml/2006/main" id="297">
   <cs:axisTitle>
     <cs:lnRef idx="0"/>
     <cs:fillRef idx="0"/>
@@ -1391,22 +1463,23 @@
     <cs:fillRef idx="0"/>
     <cs:effectRef idx="0"/>
     <cs:fontRef idx="minor">
-      <a:schemeClr val="dk1"/>
+      <a:schemeClr val="tx1"/>
     </cs:fontRef>
     <cs:spPr>
       <a:solidFill>
         <a:schemeClr val="dk1">
-          <a:lumMod val="65000"/>
-          <a:lumOff val="35000"/>
+          <a:lumMod val="75000"/>
+          <a:lumOff val="25000"/>
         </a:schemeClr>
       </a:solidFill>
-      <a:ln w="9525">
+      <a:ln w="9525" cap="flat" cmpd="sng" algn="ctr">
         <a:solidFill>
           <a:schemeClr val="tx1">
             <a:lumMod val="65000"/>
             <a:lumOff val="35000"/>
           </a:schemeClr>
         </a:solidFill>
+        <a:round/>
       </a:ln>
     </cs:spPr>
   </cs:downBar>
@@ -1511,8 +1584,8 @@
       <a:ln w="9525" cap="flat" cmpd="sng" algn="ctr">
         <a:solidFill>
           <a:schemeClr val="tx1">
-            <a:lumMod val="75000"/>
-            <a:lumOff val="25000"/>
+            <a:lumMod val="50000"/>
+            <a:lumOff val="50000"/>
           </a:schemeClr>
         </a:solidFill>
         <a:round/>
@@ -1644,19 +1717,20 @@
     <cs:fillRef idx="0"/>
     <cs:effectRef idx="0"/>
     <cs:fontRef idx="minor">
-      <a:schemeClr val="dk1"/>
+      <a:schemeClr val="tx1"/>
     </cs:fontRef>
     <cs:spPr>
       <a:solidFill>
         <a:schemeClr val="lt1"/>
       </a:solidFill>
-      <a:ln w="9525">
+      <a:ln w="9525" cap="flat" cmpd="sng" algn="ctr">
         <a:solidFill>
           <a:schemeClr val="tx1">
-            <a:lumMod val="15000"/>
-            <a:lumOff val="85000"/>
+            <a:lumMod val="65000"/>
+            <a:lumOff val="35000"/>
           </a:schemeClr>
         </a:solidFill>
+        <a:round/>
       </a:ln>
     </cs:spPr>
   </cs:upBar>
@@ -1690,7 +1764,7 @@
 </file>
 
 <file path=ppt/charts/style2.xml><?xml version="1.0" encoding="utf-8"?>
-<cs:chartStyle xmlns:cs="http://schemas.microsoft.com/office/drawing/2012/chartStyle" xmlns:a="http://schemas.openxmlformats.org/drawingml/2006/main" id="297">
+<cs:chartStyle xmlns:cs="http://schemas.microsoft.com/office/drawing/2012/chartStyle" xmlns:a="http://schemas.openxmlformats.org/drawingml/2006/main" id="201">
   <cs:axisTitle>
     <cs:lnRef idx="0"/>
     <cs:fillRef idx="0"/>
@@ -1894,23 +1968,22 @@
     <cs:fillRef idx="0"/>
     <cs:effectRef idx="0"/>
     <cs:fontRef idx="minor">
-      <a:schemeClr val="tx1"/>
+      <a:schemeClr val="dk1"/>
     </cs:fontRef>
     <cs:spPr>
       <a:solidFill>
         <a:schemeClr val="dk1">
-          <a:lumMod val="75000"/>
-          <a:lumOff val="25000"/>
+          <a:lumMod val="65000"/>
+          <a:lumOff val="35000"/>
         </a:schemeClr>
       </a:solidFill>
-      <a:ln w="9525" cap="flat" cmpd="sng" algn="ctr">
+      <a:ln w="9525">
         <a:solidFill>
           <a:schemeClr val="tx1">
             <a:lumMod val="65000"/>
             <a:lumOff val="35000"/>
           </a:schemeClr>
         </a:solidFill>
-        <a:round/>
       </a:ln>
     </cs:spPr>
   </cs:downBar>
@@ -2015,8 +2088,8 @@
       <a:ln w="9525" cap="flat" cmpd="sng" algn="ctr">
         <a:solidFill>
           <a:schemeClr val="tx1">
-            <a:lumMod val="50000"/>
-            <a:lumOff val="50000"/>
+            <a:lumMod val="75000"/>
+            <a:lumOff val="25000"/>
           </a:schemeClr>
         </a:solidFill>
         <a:round/>
@@ -2148,20 +2221,19 @@
     <cs:fillRef idx="0"/>
     <cs:effectRef idx="0"/>
     <cs:fontRef idx="minor">
-      <a:schemeClr val="tx1"/>
+      <a:schemeClr val="dk1"/>
     </cs:fontRef>
     <cs:spPr>
       <a:solidFill>
         <a:schemeClr val="lt1"/>
       </a:solidFill>
-      <a:ln w="9525" cap="flat" cmpd="sng" algn="ctr">
+      <a:ln w="9525">
         <a:solidFill>
           <a:schemeClr val="tx1">
-            <a:lumMod val="65000"/>
-            <a:lumOff val="35000"/>
+            <a:lumMod val="15000"/>
+            <a:lumOff val="85000"/>
           </a:schemeClr>
         </a:solidFill>
-        <a:round/>
       </a:ln>
     </cs:spPr>
   </cs:upBar>
@@ -2325,7 +2397,7 @@
           <a:p>
             <a:fld id="{FB6862F1-E970-4543-9C48-06AF413EA094}" type="datetimeFigureOut">
               <a:rPr lang="en-US" smtClean="0"/>
-              <a:t>12/5/2018</a:t>
+              <a:t>12/7/2018</a:t>
             </a:fld>
             <a:endParaRPr lang="en-US"/>
           </a:p>
@@ -2495,7 +2567,7 @@
           <a:p>
             <a:fld id="{FB6862F1-E970-4543-9C48-06AF413EA094}" type="datetimeFigureOut">
               <a:rPr lang="en-US" smtClean="0"/>
-              <a:t>12/5/2018</a:t>
+              <a:t>12/7/2018</a:t>
             </a:fld>
             <a:endParaRPr lang="en-US"/>
           </a:p>
@@ -2675,7 +2747,7 @@
           <a:p>
             <a:fld id="{FB6862F1-E970-4543-9C48-06AF413EA094}" type="datetimeFigureOut">
               <a:rPr lang="en-US" smtClean="0"/>
-              <a:t>12/5/2018</a:t>
+              <a:t>12/7/2018</a:t>
             </a:fld>
             <a:endParaRPr lang="en-US"/>
           </a:p>
@@ -2845,7 +2917,7 @@
           <a:p>
             <a:fld id="{FB6862F1-E970-4543-9C48-06AF413EA094}" type="datetimeFigureOut">
               <a:rPr lang="en-US" smtClean="0"/>
-              <a:t>12/5/2018</a:t>
+              <a:t>12/7/2018</a:t>
             </a:fld>
             <a:endParaRPr lang="en-US"/>
           </a:p>
@@ -3089,7 +3161,7 @@
           <a:p>
             <a:fld id="{FB6862F1-E970-4543-9C48-06AF413EA094}" type="datetimeFigureOut">
               <a:rPr lang="en-US" smtClean="0"/>
-              <a:t>12/5/2018</a:t>
+              <a:t>12/7/2018</a:t>
             </a:fld>
             <a:endParaRPr lang="en-US"/>
           </a:p>
@@ -3321,7 +3393,7 @@
           <a:p>
             <a:fld id="{FB6862F1-E970-4543-9C48-06AF413EA094}" type="datetimeFigureOut">
               <a:rPr lang="en-US" smtClean="0"/>
-              <a:t>12/5/2018</a:t>
+              <a:t>12/7/2018</a:t>
             </a:fld>
             <a:endParaRPr lang="en-US"/>
           </a:p>
@@ -3688,7 +3760,7 @@
           <a:p>
             <a:fld id="{FB6862F1-E970-4543-9C48-06AF413EA094}" type="datetimeFigureOut">
               <a:rPr lang="en-US" smtClean="0"/>
-              <a:t>12/5/2018</a:t>
+              <a:t>12/7/2018</a:t>
             </a:fld>
             <a:endParaRPr lang="en-US"/>
           </a:p>
@@ -3806,7 +3878,7 @@
           <a:p>
             <a:fld id="{FB6862F1-E970-4543-9C48-06AF413EA094}" type="datetimeFigureOut">
               <a:rPr lang="en-US" smtClean="0"/>
-              <a:t>12/5/2018</a:t>
+              <a:t>12/7/2018</a:t>
             </a:fld>
             <a:endParaRPr lang="en-US"/>
           </a:p>
@@ -3901,7 +3973,7 @@
           <a:p>
             <a:fld id="{FB6862F1-E970-4543-9C48-06AF413EA094}" type="datetimeFigureOut">
               <a:rPr lang="en-US" smtClean="0"/>
-              <a:t>12/5/2018</a:t>
+              <a:t>12/7/2018</a:t>
             </a:fld>
             <a:endParaRPr lang="en-US"/>
           </a:p>
@@ -4178,7 +4250,7 @@
           <a:p>
             <a:fld id="{FB6862F1-E970-4543-9C48-06AF413EA094}" type="datetimeFigureOut">
               <a:rPr lang="en-US" smtClean="0"/>
-              <a:t>12/5/2018</a:t>
+              <a:t>12/7/2018</a:t>
             </a:fld>
             <a:endParaRPr lang="en-US"/>
           </a:p>
@@ -4435,7 +4507,7 @@
           <a:p>
             <a:fld id="{FB6862F1-E970-4543-9C48-06AF413EA094}" type="datetimeFigureOut">
               <a:rPr lang="en-US" smtClean="0"/>
-              <a:t>12/5/2018</a:t>
+              <a:t>12/7/2018</a:t>
             </a:fld>
             <a:endParaRPr lang="en-US"/>
           </a:p>
@@ -4648,7 +4720,7 @@
           <a:p>
             <a:fld id="{FB6862F1-E970-4543-9C48-06AF413EA094}" type="datetimeFigureOut">
               <a:rPr lang="en-US" smtClean="0"/>
-              <a:t>12/5/2018</a:t>
+              <a:t>12/7/2018</a:t>
             </a:fld>
             <a:endParaRPr lang="en-US"/>
           </a:p>
@@ -5067,7 +5139,7 @@
         </p:nvSpPr>
         <p:spPr>
           <a:xfrm>
-            <a:off x="5812971" y="748615"/>
+            <a:off x="5812969" y="495436"/>
             <a:ext cx="21292458" cy="2308324"/>
           </a:xfrm>
           <a:prstGeom prst="rect">
@@ -5083,41 +5155,19 @@
           <a:p>
             <a:pPr algn="ctr"/>
             <a:r>
-              <a:rPr lang="en-US" sz="7200" b="1" dirty="0"/>
-              <a:t>Reducing Error From Recognizing Multiple Classes Using One-vs-All Classification and Ensembles</a:t>
-            </a:r>
-            <a:endParaRPr lang="en-US" sz="7200" dirty="0"/>
-          </a:p>
-        </p:txBody>
-      </p:sp>
-      <p:graphicFrame>
-        <p:nvGraphicFramePr>
-          <p:cNvPr id="11" name="Chart 10">
-            <a:extLst>
-              <a:ext uri="{FF2B5EF4-FFF2-40B4-BE49-F238E27FC236}">
-                <a16:creationId xmlns:a16="http://schemas.microsoft.com/office/drawing/2014/main" id="{73EBE423-1F1E-46FE-96D5-DC21AD3E951B}"/>
-              </a:ext>
-            </a:extLst>
-          </p:cNvPr>
-          <p:cNvGraphicFramePr/>
-          <p:nvPr>
-            <p:extLst>
-              <p:ext uri="{D42A27DB-BD31-4B8C-83A1-F6EECF244321}">
-                <p14:modId xmlns:p14="http://schemas.microsoft.com/office/powerpoint/2010/main" val="941629698"/>
-              </p:ext>
-            </p:extLst>
-          </p:nvPr>
-        </p:nvGraphicFramePr>
-        <p:xfrm>
-          <a:off x="12066429" y="4899045"/>
-          <a:ext cx="10601325" cy="6502421"/>
-        </p:xfrm>
-        <a:graphic>
-          <a:graphicData uri="http://schemas.openxmlformats.org/drawingml/2006/chart">
-            <c:chart xmlns:c="http://schemas.openxmlformats.org/drawingml/2006/chart" xmlns:r="http://schemas.openxmlformats.org/officeDocument/2006/relationships" r:id="rId2"/>
-          </a:graphicData>
-        </a:graphic>
-      </p:graphicFrame>
+              <a:rPr lang="en-US" sz="7200" b="1" dirty="0">
+                <a:latin typeface="Arial" panose="020B0604020202020204" pitchFamily="34" charset="0"/>
+                <a:cs typeface="Arial" panose="020B0604020202020204" pitchFamily="34" charset="0"/>
+              </a:rPr>
+              <a:t>Recognizing Multiple Classes Using One-vs-All Classification and Ensembles</a:t>
+            </a:r>
+            <a:endParaRPr lang="en-US" sz="7200" dirty="0">
+              <a:latin typeface="Arial" panose="020B0604020202020204" pitchFamily="34" charset="0"/>
+              <a:cs typeface="Arial" panose="020B0604020202020204" pitchFamily="34" charset="0"/>
+            </a:endParaRPr>
+          </a:p>
+        </p:txBody>
+      </p:sp>
       <p:sp>
         <p:nvSpPr>
           <p:cNvPr id="12" name="TextBox 11">
@@ -5139,7 +5189,7 @@
             <a:avLst/>
           </a:prstGeom>
           <a:solidFill>
-            <a:srgbClr val="FF0000"/>
+            <a:schemeClr val="bg1"/>
           </a:solidFill>
         </p:spPr>
         <p:txBody>
@@ -5159,7 +5209,11 @@
             <a:endParaRPr lang="en-US" sz="4400" dirty="0"/>
           </a:p>
           <a:p>
-            <a:endParaRPr lang="en-US" sz="4400" dirty="0"/>
+            <a:endParaRPr lang="en-US" sz="4400" dirty="0">
+              <a:solidFill>
+                <a:schemeClr val="bg1"/>
+              </a:solidFill>
+            </a:endParaRPr>
           </a:p>
           <a:p>
             <a:r>
@@ -5182,18 +5236,18 @@
           <p:nvPr>
             <p:extLst>
               <p:ext uri="{D42A27DB-BD31-4B8C-83A1-F6EECF244321}">
-                <p14:modId xmlns:p14="http://schemas.microsoft.com/office/powerpoint/2010/main" val="652915348"/>
+                <p14:modId xmlns:p14="http://schemas.microsoft.com/office/powerpoint/2010/main" val="4119291407"/>
               </p:ext>
             </p:extLst>
           </p:nvPr>
         </p:nvGraphicFramePr>
         <p:xfrm>
-          <a:off x="12737941" y="11604656"/>
+          <a:off x="11874655" y="12642278"/>
           <a:ext cx="9258299" cy="5248244"/>
         </p:xfrm>
         <a:graphic>
           <a:graphicData uri="http://schemas.openxmlformats.org/drawingml/2006/chart">
-            <c:chart xmlns:c="http://schemas.openxmlformats.org/drawingml/2006/chart" xmlns:r="http://schemas.openxmlformats.org/officeDocument/2006/relationships" r:id="rId3"/>
+            <c:chart xmlns:c="http://schemas.openxmlformats.org/drawingml/2006/chart" xmlns:r="http://schemas.openxmlformats.org/officeDocument/2006/relationships" r:id="rId2"/>
           </a:graphicData>
         </a:graphic>
       </p:graphicFrame>
@@ -5203,6 +5257,190 @@
             <a:extLst>
               <a:ext uri="{FF2B5EF4-FFF2-40B4-BE49-F238E27FC236}">
                 <a16:creationId xmlns:a16="http://schemas.microsoft.com/office/drawing/2014/main" id="{E4B2BF8D-618D-4E07-B200-04F1838CE9FA}"/>
+              </a:ext>
+            </a:extLst>
+          </p:cNvPr>
+          <p:cNvPicPr>
+            <a:picLocks noChangeAspect="1"/>
+          </p:cNvPicPr>
+          <p:nvPr/>
+        </p:nvPicPr>
+        <p:blipFill>
+          <a:blip r:embed="rId3">
+            <a:extLst>
+              <a:ext uri="{28A0092B-C50C-407E-A947-70E740481C1C}">
+                <a14:useLocalDpi xmlns:a14="http://schemas.microsoft.com/office/drawing/2010/main" val="0"/>
+              </a:ext>
+            </a:extLst>
+          </a:blip>
+          <a:stretch>
+            <a:fillRect/>
+          </a:stretch>
+        </p:blipFill>
+        <p:spPr>
+          <a:xfrm>
+            <a:off x="24774525" y="5943644"/>
+            <a:ext cx="6073460" cy="7689799"/>
+          </a:xfrm>
+          <a:prstGeom prst="rect">
+            <a:avLst/>
+          </a:prstGeom>
+        </p:spPr>
+      </p:pic>
+      <p:sp>
+        <p:nvSpPr>
+          <p:cNvPr id="21" name="TextBox 20">
+            <a:extLst>
+              <a:ext uri="{FF2B5EF4-FFF2-40B4-BE49-F238E27FC236}">
+                <a16:creationId xmlns:a16="http://schemas.microsoft.com/office/drawing/2014/main" id="{93CA3594-6A10-45F8-9D02-4EB346DE0EC0}"/>
+              </a:ext>
+            </a:extLst>
+          </p:cNvPr>
+          <p:cNvSpPr txBox="1"/>
+          <p:nvPr/>
+        </p:nvSpPr>
+        <p:spPr>
+          <a:xfrm>
+            <a:off x="23660101" y="13753165"/>
+            <a:ext cx="9258299" cy="1200329"/>
+          </a:xfrm>
+          <a:prstGeom prst="rect">
+            <a:avLst/>
+          </a:prstGeom>
+          <a:noFill/>
+        </p:spPr>
+        <p:txBody>
+          <a:bodyPr wrap="square" rtlCol="0">
+            <a:spAutoFit/>
+          </a:bodyPr>
+          <a:lstStyle/>
+          <a:p>
+            <a:r>
+              <a:rPr lang="en-US" sz="7200" dirty="0"/>
+              <a:t>Unlabeled stats</a:t>
+            </a:r>
+          </a:p>
+        </p:txBody>
+      </p:sp>
+      <p:pic>
+        <p:nvPicPr>
+          <p:cNvPr id="23" name="Picture 22">
+            <a:extLst>
+              <a:ext uri="{FF2B5EF4-FFF2-40B4-BE49-F238E27FC236}">
+                <a16:creationId xmlns:a16="http://schemas.microsoft.com/office/drawing/2014/main" id="{BD98EB89-C2B7-48FD-B3B2-601C2EAF7AAA}"/>
+              </a:ext>
+            </a:extLst>
+          </p:cNvPr>
+          <p:cNvPicPr>
+            <a:picLocks noChangeAspect="1"/>
+          </p:cNvPicPr>
+          <p:nvPr/>
+        </p:nvPicPr>
+        <p:blipFill>
+          <a:blip r:embed="rId3">
+            <a:extLst>
+              <a:ext uri="{28A0092B-C50C-407E-A947-70E740481C1C}">
+                <a14:useLocalDpi xmlns:a14="http://schemas.microsoft.com/office/drawing/2010/main" val="0"/>
+              </a:ext>
+            </a:extLst>
+          </a:blip>
+          <a:stretch>
+            <a:fillRect/>
+          </a:stretch>
+        </p:blipFill>
+        <p:spPr>
+          <a:xfrm>
+            <a:off x="22629020" y="15459853"/>
+            <a:ext cx="10289380" cy="1752769"/>
+          </a:xfrm>
+          <a:prstGeom prst="rect">
+            <a:avLst/>
+          </a:prstGeom>
+        </p:spPr>
+      </p:pic>
+      <p:sp>
+        <p:nvSpPr>
+          <p:cNvPr id="24" name="TextBox 23">
+            <a:extLst>
+              <a:ext uri="{FF2B5EF4-FFF2-40B4-BE49-F238E27FC236}">
+                <a16:creationId xmlns:a16="http://schemas.microsoft.com/office/drawing/2014/main" id="{436D0DD8-676B-455F-BC0F-8FBBE1924829}"/>
+              </a:ext>
+            </a:extLst>
+          </p:cNvPr>
+          <p:cNvSpPr txBox="1"/>
+          <p:nvPr/>
+        </p:nvSpPr>
+        <p:spPr>
+          <a:xfrm>
+            <a:off x="25104410" y="4437380"/>
+            <a:ext cx="5743575" cy="923330"/>
+          </a:xfrm>
+          <a:prstGeom prst="rect">
+            <a:avLst/>
+          </a:prstGeom>
+          <a:noFill/>
+        </p:spPr>
+        <p:txBody>
+          <a:bodyPr wrap="square" rtlCol="0">
+            <a:spAutoFit/>
+          </a:bodyPr>
+          <a:lstStyle/>
+          <a:p>
+            <a:r>
+              <a:rPr lang="en-US" sz="5400" dirty="0"/>
+              <a:t>Incorrectly labeled</a:t>
+            </a:r>
+          </a:p>
+        </p:txBody>
+      </p:sp>
+      <p:sp>
+        <p:nvSpPr>
+          <p:cNvPr id="25" name="TextBox 24">
+            <a:extLst>
+              <a:ext uri="{FF2B5EF4-FFF2-40B4-BE49-F238E27FC236}">
+                <a16:creationId xmlns:a16="http://schemas.microsoft.com/office/drawing/2014/main" id="{B113328D-2CA1-4A01-B710-52297BBB833E}"/>
+              </a:ext>
+            </a:extLst>
+          </p:cNvPr>
+          <p:cNvSpPr txBox="1"/>
+          <p:nvPr/>
+        </p:nvSpPr>
+        <p:spPr>
+          <a:xfrm>
+            <a:off x="21057556" y="2655486"/>
+            <a:ext cx="11201400" cy="4154984"/>
+          </a:xfrm>
+          <a:prstGeom prst="rect">
+            <a:avLst/>
+          </a:prstGeom>
+          <a:noFill/>
+        </p:spPr>
+        <p:txBody>
+          <a:bodyPr wrap="square" rtlCol="0">
+            <a:spAutoFit/>
+          </a:bodyPr>
+          <a:lstStyle/>
+          <a:p>
+            <a:pPr algn="ctr"/>
+            <a:r>
+              <a:rPr lang="en-US" sz="8800" dirty="0"/>
+              <a:t>Architectures list/chart</a:t>
+            </a:r>
+          </a:p>
+          <a:p>
+            <a:endParaRPr lang="en-US" sz="8800" dirty="0"/>
+          </a:p>
+          <a:p>
+            <a:endParaRPr lang="en-US" sz="8800" dirty="0"/>
+          </a:p>
+        </p:txBody>
+      </p:sp>
+      <p:pic>
+        <p:nvPicPr>
+          <p:cNvPr id="3" name="Picture 2" descr="A screenshot of a cell phone&#10;&#10;Description automatically generated">
+            <a:extLst>
+              <a:ext uri="{FF2B5EF4-FFF2-40B4-BE49-F238E27FC236}">
+                <a16:creationId xmlns:a16="http://schemas.microsoft.com/office/drawing/2014/main" id="{5578F1C1-3C3C-4372-A67B-9CC5639BDA77}"/>
               </a:ext>
             </a:extLst>
           </p:cNvPr>
@@ -5225,191 +5463,7 @@
         </p:blipFill>
         <p:spPr>
           <a:xfrm>
-            <a:off x="24774525" y="5943644"/>
-            <a:ext cx="6073460" cy="7689799"/>
-          </a:xfrm>
-          <a:prstGeom prst="rect">
-            <a:avLst/>
-          </a:prstGeom>
-        </p:spPr>
-      </p:pic>
-      <p:sp>
-        <p:nvSpPr>
-          <p:cNvPr id="21" name="TextBox 20">
-            <a:extLst>
-              <a:ext uri="{FF2B5EF4-FFF2-40B4-BE49-F238E27FC236}">
-                <a16:creationId xmlns:a16="http://schemas.microsoft.com/office/drawing/2014/main" id="{93CA3594-6A10-45F8-9D02-4EB346DE0EC0}"/>
-              </a:ext>
-            </a:extLst>
-          </p:cNvPr>
-          <p:cNvSpPr txBox="1"/>
-          <p:nvPr/>
-        </p:nvSpPr>
-        <p:spPr>
-          <a:xfrm>
-            <a:off x="23660101" y="13753165"/>
-            <a:ext cx="9258299" cy="1200329"/>
-          </a:xfrm>
-          <a:prstGeom prst="rect">
-            <a:avLst/>
-          </a:prstGeom>
-          <a:noFill/>
-        </p:spPr>
-        <p:txBody>
-          <a:bodyPr wrap="square" rtlCol="0">
-            <a:spAutoFit/>
-          </a:bodyPr>
-          <a:lstStyle/>
-          <a:p>
-            <a:r>
-              <a:rPr lang="en-US" sz="7200" dirty="0"/>
-              <a:t>Unlabeled stats</a:t>
-            </a:r>
-          </a:p>
-        </p:txBody>
-      </p:sp>
-      <p:pic>
-        <p:nvPicPr>
-          <p:cNvPr id="23" name="Picture 22">
-            <a:extLst>
-              <a:ext uri="{FF2B5EF4-FFF2-40B4-BE49-F238E27FC236}">
-                <a16:creationId xmlns:a16="http://schemas.microsoft.com/office/drawing/2014/main" id="{BD98EB89-C2B7-48FD-B3B2-601C2EAF7AAA}"/>
-              </a:ext>
-            </a:extLst>
-          </p:cNvPr>
-          <p:cNvPicPr>
-            <a:picLocks noChangeAspect="1"/>
-          </p:cNvPicPr>
-          <p:nvPr/>
-        </p:nvPicPr>
-        <p:blipFill>
-          <a:blip r:embed="rId4">
-            <a:extLst>
-              <a:ext uri="{28A0092B-C50C-407E-A947-70E740481C1C}">
-                <a14:useLocalDpi xmlns:a14="http://schemas.microsoft.com/office/drawing/2010/main" val="0"/>
-              </a:ext>
-            </a:extLst>
-          </a:blip>
-          <a:stretch>
-            <a:fillRect/>
-          </a:stretch>
-        </p:blipFill>
-        <p:spPr>
-          <a:xfrm>
-            <a:off x="22629020" y="15459853"/>
-            <a:ext cx="10289380" cy="1752769"/>
-          </a:xfrm>
-          <a:prstGeom prst="rect">
-            <a:avLst/>
-          </a:prstGeom>
-        </p:spPr>
-      </p:pic>
-      <p:sp>
-        <p:nvSpPr>
-          <p:cNvPr id="24" name="TextBox 23">
-            <a:extLst>
-              <a:ext uri="{FF2B5EF4-FFF2-40B4-BE49-F238E27FC236}">
-                <a16:creationId xmlns:a16="http://schemas.microsoft.com/office/drawing/2014/main" id="{436D0DD8-676B-455F-BC0F-8FBBE1924829}"/>
-              </a:ext>
-            </a:extLst>
-          </p:cNvPr>
-          <p:cNvSpPr txBox="1"/>
-          <p:nvPr/>
-        </p:nvSpPr>
-        <p:spPr>
-          <a:xfrm>
-            <a:off x="25104410" y="4437380"/>
-            <a:ext cx="5743575" cy="923330"/>
-          </a:xfrm>
-          <a:prstGeom prst="rect">
-            <a:avLst/>
-          </a:prstGeom>
-          <a:noFill/>
-        </p:spPr>
-        <p:txBody>
-          <a:bodyPr wrap="square" rtlCol="0">
-            <a:spAutoFit/>
-          </a:bodyPr>
-          <a:lstStyle/>
-          <a:p>
-            <a:r>
-              <a:rPr lang="en-US" sz="5400" dirty="0"/>
-              <a:t>Incorrectly labeled</a:t>
-            </a:r>
-          </a:p>
-        </p:txBody>
-      </p:sp>
-      <p:sp>
-        <p:nvSpPr>
-          <p:cNvPr id="25" name="TextBox 24">
-            <a:extLst>
-              <a:ext uri="{FF2B5EF4-FFF2-40B4-BE49-F238E27FC236}">
-                <a16:creationId xmlns:a16="http://schemas.microsoft.com/office/drawing/2014/main" id="{B113328D-2CA1-4A01-B710-52297BBB833E}"/>
-              </a:ext>
-            </a:extLst>
-          </p:cNvPr>
-          <p:cNvSpPr txBox="1"/>
-          <p:nvPr/>
-        </p:nvSpPr>
-        <p:spPr>
-          <a:xfrm>
-            <a:off x="21057556" y="2655486"/>
-            <a:ext cx="11201400" cy="4154984"/>
-          </a:xfrm>
-          <a:prstGeom prst="rect">
-            <a:avLst/>
-          </a:prstGeom>
-          <a:noFill/>
-        </p:spPr>
-        <p:txBody>
-          <a:bodyPr wrap="square" rtlCol="0">
-            <a:spAutoFit/>
-          </a:bodyPr>
-          <a:lstStyle/>
-          <a:p>
-            <a:pPr algn="ctr"/>
-            <a:r>
-              <a:rPr lang="en-US" sz="8800" dirty="0"/>
-              <a:t>Architectures list/chart</a:t>
-            </a:r>
-          </a:p>
-          <a:p>
-            <a:endParaRPr lang="en-US" sz="8800" dirty="0"/>
-          </a:p>
-          <a:p>
-            <a:endParaRPr lang="en-US" sz="8800" dirty="0"/>
-          </a:p>
-        </p:txBody>
-      </p:sp>
-      <p:pic>
-        <p:nvPicPr>
-          <p:cNvPr id="3" name="Picture 2" descr="A screenshot of a cell phone&#10;&#10;Description automatically generated">
-            <a:extLst>
-              <a:ext uri="{FF2B5EF4-FFF2-40B4-BE49-F238E27FC236}">
-                <a16:creationId xmlns:a16="http://schemas.microsoft.com/office/drawing/2014/main" id="{5578F1C1-3C3C-4372-A67B-9CC5639BDA77}"/>
-              </a:ext>
-            </a:extLst>
-          </p:cNvPr>
-          <p:cNvPicPr>
-            <a:picLocks noChangeAspect="1"/>
-          </p:cNvPicPr>
-          <p:nvPr/>
-        </p:nvPicPr>
-        <p:blipFill>
-          <a:blip r:embed="rId5">
-            <a:extLst>
-              <a:ext uri="{28A0092B-C50C-407E-A947-70E740481C1C}">
-                <a14:useLocalDpi xmlns:a14="http://schemas.microsoft.com/office/drawing/2010/main" val="0"/>
-              </a:ext>
-            </a:extLst>
-          </a:blip>
-          <a:stretch>
-            <a:fillRect/>
-          </a:stretch>
-        </p:blipFill>
-        <p:spPr>
-          <a:xfrm>
-            <a:off x="170576" y="3150590"/>
+            <a:off x="659440" y="2803760"/>
             <a:ext cx="10677525" cy="18678525"/>
           </a:xfrm>
           <a:prstGeom prst="rect">
@@ -5417,6 +5471,34 @@
           </a:prstGeom>
         </p:spPr>
       </p:pic>
+      <p:graphicFrame>
+        <p:nvGraphicFramePr>
+          <p:cNvPr id="11" name="Chart 10">
+            <a:extLst>
+              <a:ext uri="{FF2B5EF4-FFF2-40B4-BE49-F238E27FC236}">
+                <a16:creationId xmlns:a16="http://schemas.microsoft.com/office/drawing/2014/main" id="{73EBE423-1F1E-46FE-96D5-DC21AD3E951B}"/>
+              </a:ext>
+            </a:extLst>
+          </p:cNvPr>
+          <p:cNvGraphicFramePr/>
+          <p:nvPr>
+            <p:extLst>
+              <p:ext uri="{D42A27DB-BD31-4B8C-83A1-F6EECF244321}">
+                <p14:modId xmlns:p14="http://schemas.microsoft.com/office/powerpoint/2010/main" val="1082887264"/>
+              </p:ext>
+            </p:extLst>
+          </p:nvPr>
+        </p:nvGraphicFramePr>
+        <p:xfrm>
+          <a:off x="11336965" y="3719535"/>
+          <a:ext cx="10333681" cy="6502421"/>
+        </p:xfrm>
+        <a:graphic>
+          <a:graphicData uri="http://schemas.openxmlformats.org/drawingml/2006/chart">
+            <c:chart xmlns:c="http://schemas.openxmlformats.org/drawingml/2006/chart" xmlns:r="http://schemas.openxmlformats.org/officeDocument/2006/relationships" r:id="rId5"/>
+          </a:graphicData>
+        </a:graphic>
+      </p:graphicFrame>
     </p:spTree>
     <p:extLst>
       <p:ext uri="{BB962C8B-B14F-4D97-AF65-F5344CB8AC3E}">

--- a/Poster.pptx
+++ b/Poster.pptx
@@ -146,20 +146,20 @@
               </a:defRPr>
             </a:pPr>
             <a:r>
-              <a:rPr lang="en-US" sz="3200" dirty="0">
+              <a:rPr lang="en-US" sz="4000" dirty="0">
                 <a:latin typeface="Arial" panose="020B0604020202020204" pitchFamily="34" charset="0"/>
                 <a:cs typeface="Arial" panose="020B0604020202020204" pitchFamily="34" charset="0"/>
               </a:rPr>
               <a:t>Automobile</a:t>
             </a:r>
             <a:r>
-              <a:rPr lang="en-US" sz="3200" baseline="0" dirty="0">
+              <a:rPr lang="en-US" sz="4000" baseline="0" dirty="0">
                 <a:latin typeface="Arial" panose="020B0604020202020204" pitchFamily="34" charset="0"/>
                 <a:cs typeface="Arial" panose="020B0604020202020204" pitchFamily="34" charset="0"/>
               </a:rPr>
               <a:t> Network Only</a:t>
             </a:r>
-            <a:endParaRPr lang="en-US" sz="3200" dirty="0">
+            <a:endParaRPr lang="en-US" sz="4000" dirty="0">
               <a:latin typeface="Arial" panose="020B0604020202020204" pitchFamily="34" charset="0"/>
               <a:cs typeface="Arial" panose="020B0604020202020204" pitchFamily="34" charset="0"/>
             </a:endParaRPr>
@@ -218,7 +218,10 @@
           </c:tx>
           <c:spPr>
             <a:solidFill>
-              <a:srgbClr val="7030A0"/>
+              <a:schemeClr val="accent6">
+                <a:lumMod val="40000"/>
+                <a:lumOff val="60000"/>
+              </a:schemeClr>
             </a:solidFill>
             <a:ln>
               <a:noFill/>
@@ -274,7 +277,7 @@
                 <c:formatCode>General</c:formatCode>
                 <c:ptCount val="11"/>
                 <c:pt idx="0">
-                  <c:v>96.18</c:v>
+                  <c:v>95.95</c:v>
                 </c:pt>
                 <c:pt idx="1">
                   <c:v>97.74</c:v>
@@ -283,19 +286,19 @@
                   <c:v>93.01</c:v>
                 </c:pt>
                 <c:pt idx="3">
-                  <c:v>92.06</c:v>
+                  <c:v>91.5</c:v>
                 </c:pt>
                 <c:pt idx="4">
-                  <c:v>95.22</c:v>
+                  <c:v>95.2</c:v>
                 </c:pt>
                 <c:pt idx="5">
                   <c:v>94.24</c:v>
                 </c:pt>
                 <c:pt idx="6">
-                  <c:v>95.7</c:v>
+                  <c:v>95.31</c:v>
                 </c:pt>
                 <c:pt idx="7">
-                  <c:v>96.38</c:v>
+                  <c:v>95.38</c:v>
                 </c:pt>
                 <c:pt idx="8">
                   <c:v>96.71</c:v>
@@ -672,20 +675,20 @@
               </a:defRPr>
             </a:pPr>
             <a:r>
-              <a:rPr lang="en-US" sz="3200" dirty="0">
+              <a:rPr lang="en-US" sz="4000" dirty="0">
                 <a:latin typeface="Arial" panose="020B0604020202020204" pitchFamily="34" charset="0"/>
                 <a:cs typeface="Arial" panose="020B0604020202020204" pitchFamily="34" charset="0"/>
               </a:rPr>
               <a:t>Individual</a:t>
             </a:r>
             <a:r>
-              <a:rPr lang="en-US" sz="3200" baseline="0" dirty="0">
+              <a:rPr lang="en-US" sz="4000" baseline="0" dirty="0">
                 <a:latin typeface="Arial" panose="020B0604020202020204" pitchFamily="34" charset="0"/>
                 <a:cs typeface="Arial" panose="020B0604020202020204" pitchFamily="34" charset="0"/>
               </a:rPr>
               <a:t> Network Performance</a:t>
             </a:r>
-            <a:endParaRPr lang="en-US" sz="3200" dirty="0">
+            <a:endParaRPr lang="en-US" sz="4000" dirty="0">
               <a:latin typeface="Arial" panose="020B0604020202020204" pitchFamily="34" charset="0"/>
               <a:cs typeface="Arial" panose="020B0604020202020204" pitchFamily="34" charset="0"/>
             </a:endParaRPr>
@@ -744,7 +747,10 @@
           </c:tx>
           <c:spPr>
             <a:solidFill>
-              <a:srgbClr val="7030A0"/>
+              <a:schemeClr val="accent6">
+                <a:lumMod val="40000"/>
+                <a:lumOff val="60000"/>
+              </a:schemeClr>
             </a:solidFill>
             <a:ln>
               <a:noFill/>
@@ -5139,13 +5145,18 @@
         </p:nvSpPr>
         <p:spPr>
           <a:xfrm>
-            <a:off x="5812969" y="495436"/>
-            <a:ext cx="21292458" cy="2308324"/>
+            <a:off x="1" y="-34418"/>
+            <a:ext cx="32918399" cy="2308324"/>
           </a:xfrm>
           <a:prstGeom prst="rect">
             <a:avLst/>
           </a:prstGeom>
-          <a:noFill/>
+          <a:solidFill>
+            <a:schemeClr val="accent6">
+              <a:lumMod val="40000"/>
+              <a:lumOff val="60000"/>
+            </a:schemeClr>
+          </a:solidFill>
         </p:spPr>
         <p:txBody>
           <a:bodyPr wrap="square" rtlCol="0">
@@ -5236,14 +5247,14 @@
           <p:nvPr>
             <p:extLst>
               <p:ext uri="{D42A27DB-BD31-4B8C-83A1-F6EECF244321}">
-                <p14:modId xmlns:p14="http://schemas.microsoft.com/office/powerpoint/2010/main" val="4119291407"/>
+                <p14:modId xmlns:p14="http://schemas.microsoft.com/office/powerpoint/2010/main" val="766804289"/>
               </p:ext>
             </p:extLst>
           </p:nvPr>
         </p:nvGraphicFramePr>
         <p:xfrm>
-          <a:off x="11874655" y="12642278"/>
-          <a:ext cx="9258299" cy="5248244"/>
+          <a:off x="10921950" y="13267229"/>
+          <a:ext cx="10333681" cy="6023178"/>
         </p:xfrm>
         <a:graphic>
           <a:graphicData uri="http://schemas.openxmlformats.org/drawingml/2006/chart">
@@ -5393,54 +5404,40 @@
           </a:p>
         </p:txBody>
       </p:sp>
-      <p:sp>
-        <p:nvSpPr>
-          <p:cNvPr id="25" name="TextBox 24">
+      <p:graphicFrame>
+        <p:nvGraphicFramePr>
+          <p:cNvPr id="11" name="Chart 10">
             <a:extLst>
               <a:ext uri="{FF2B5EF4-FFF2-40B4-BE49-F238E27FC236}">
-                <a16:creationId xmlns:a16="http://schemas.microsoft.com/office/drawing/2014/main" id="{B113328D-2CA1-4A01-B710-52297BBB833E}"/>
+                <a16:creationId xmlns:a16="http://schemas.microsoft.com/office/drawing/2014/main" id="{73EBE423-1F1E-46FE-96D5-DC21AD3E951B}"/>
               </a:ext>
             </a:extLst>
           </p:cNvPr>
-          <p:cNvSpPr txBox="1"/>
-          <p:nvPr/>
-        </p:nvSpPr>
-        <p:spPr>
-          <a:xfrm>
-            <a:off x="21057556" y="2655486"/>
-            <a:ext cx="11201400" cy="4154984"/>
-          </a:xfrm>
-          <a:prstGeom prst="rect">
-            <a:avLst/>
-          </a:prstGeom>
-          <a:noFill/>
-        </p:spPr>
-        <p:txBody>
-          <a:bodyPr wrap="square" rtlCol="0">
-            <a:spAutoFit/>
-          </a:bodyPr>
-          <a:lstStyle/>
-          <a:p>
-            <a:pPr algn="ctr"/>
-            <a:r>
-              <a:rPr lang="en-US" sz="8800" dirty="0"/>
-              <a:t>Architectures list/chart</a:t>
-            </a:r>
-          </a:p>
-          <a:p>
-            <a:endParaRPr lang="en-US" sz="8800" dirty="0"/>
-          </a:p>
-          <a:p>
-            <a:endParaRPr lang="en-US" sz="8800" dirty="0"/>
-          </a:p>
-        </p:txBody>
-      </p:sp>
+          <p:cNvGraphicFramePr/>
+          <p:nvPr>
+            <p:extLst>
+              <p:ext uri="{D42A27DB-BD31-4B8C-83A1-F6EECF244321}">
+                <p14:modId xmlns:p14="http://schemas.microsoft.com/office/powerpoint/2010/main" val="1716073474"/>
+              </p:ext>
+            </p:extLst>
+          </p:nvPr>
+        </p:nvGraphicFramePr>
+        <p:xfrm>
+          <a:off x="10921950" y="4177978"/>
+          <a:ext cx="10333681" cy="6502421"/>
+        </p:xfrm>
+        <a:graphic>
+          <a:graphicData uri="http://schemas.openxmlformats.org/drawingml/2006/chart">
+            <c:chart xmlns:c="http://schemas.openxmlformats.org/drawingml/2006/chart" xmlns:r="http://schemas.openxmlformats.org/officeDocument/2006/relationships" r:id="rId4"/>
+          </a:graphicData>
+        </a:graphic>
+      </p:graphicFrame>
       <p:pic>
         <p:nvPicPr>
-          <p:cNvPr id="3" name="Picture 2" descr="A screenshot of a cell phone&#10;&#10;Description automatically generated">
+          <p:cNvPr id="7" name="Picture 6">
             <a:extLst>
               <a:ext uri="{FF2B5EF4-FFF2-40B4-BE49-F238E27FC236}">
-                <a16:creationId xmlns:a16="http://schemas.microsoft.com/office/drawing/2014/main" id="{5578F1C1-3C3C-4372-A67B-9CC5639BDA77}"/>
+                <a16:creationId xmlns:a16="http://schemas.microsoft.com/office/drawing/2014/main" id="{FB833AF1-D9D9-4A1E-94A0-293CC9B48026}"/>
               </a:ext>
             </a:extLst>
           </p:cNvPr>
@@ -5450,7 +5447,7 @@
           <p:nvPr/>
         </p:nvPicPr>
         <p:blipFill>
-          <a:blip r:embed="rId4">
+          <a:blip r:embed="rId5">
             <a:extLst>
               <a:ext uri="{28A0092B-C50C-407E-A947-70E740481C1C}">
                 <a14:useLocalDpi xmlns:a14="http://schemas.microsoft.com/office/drawing/2010/main" val="0"/>
@@ -5463,42 +5460,53 @@
         </p:blipFill>
         <p:spPr>
           <a:xfrm>
-            <a:off x="659440" y="2803760"/>
-            <a:ext cx="10677525" cy="18678525"/>
+            <a:off x="313958" y="5190041"/>
+            <a:ext cx="9234603" cy="16154376"/>
           </a:xfrm>
           <a:prstGeom prst="rect">
             <a:avLst/>
           </a:prstGeom>
         </p:spPr>
       </p:pic>
-      <p:graphicFrame>
-        <p:nvGraphicFramePr>
-          <p:cNvPr id="11" name="Chart 10">
+      <p:sp>
+        <p:nvSpPr>
+          <p:cNvPr id="8" name="TextBox 7">
             <a:extLst>
               <a:ext uri="{FF2B5EF4-FFF2-40B4-BE49-F238E27FC236}">
-                <a16:creationId xmlns:a16="http://schemas.microsoft.com/office/drawing/2014/main" id="{73EBE423-1F1E-46FE-96D5-DC21AD3E951B}"/>
+                <a16:creationId xmlns:a16="http://schemas.microsoft.com/office/drawing/2014/main" id="{5FEC42C0-C767-452D-A820-0D3CA6A11790}"/>
               </a:ext>
             </a:extLst>
           </p:cNvPr>
-          <p:cNvGraphicFramePr/>
-          <p:nvPr>
-            <p:extLst>
-              <p:ext uri="{D42A27DB-BD31-4B8C-83A1-F6EECF244321}">
-                <p14:modId xmlns:p14="http://schemas.microsoft.com/office/powerpoint/2010/main" val="1082887264"/>
-              </p:ext>
-            </p:extLst>
-          </p:nvPr>
-        </p:nvGraphicFramePr>
-        <p:xfrm>
-          <a:off x="11336965" y="3719535"/>
-          <a:ext cx="10333681" cy="6502421"/>
-        </p:xfrm>
-        <a:graphic>
-          <a:graphicData uri="http://schemas.openxmlformats.org/drawingml/2006/chart">
-            <c:chart xmlns:c="http://schemas.openxmlformats.org/drawingml/2006/chart" xmlns:r="http://schemas.openxmlformats.org/officeDocument/2006/relationships" r:id="rId5"/>
-          </a:graphicData>
-        </a:graphic>
-      </p:graphicFrame>
+          <p:cNvSpPr txBox="1"/>
+          <p:nvPr/>
+        </p:nvSpPr>
+        <p:spPr>
+          <a:xfrm>
+            <a:off x="2225694" y="4191159"/>
+            <a:ext cx="5411130" cy="707886"/>
+          </a:xfrm>
+          <a:prstGeom prst="rect">
+            <a:avLst/>
+          </a:prstGeom>
+          <a:noFill/>
+        </p:spPr>
+        <p:txBody>
+          <a:bodyPr wrap="square" rtlCol="0">
+            <a:spAutoFit/>
+          </a:bodyPr>
+          <a:lstStyle/>
+          <a:p>
+            <a:pPr algn="ctr"/>
+            <a:r>
+              <a:rPr lang="en-US" sz="4000" dirty="0">
+                <a:latin typeface="Arial" panose="020B0604020202020204" pitchFamily="34" charset="0"/>
+                <a:cs typeface="Arial" panose="020B0604020202020204" pitchFamily="34" charset="0"/>
+              </a:rPr>
+              <a:t>Project Architecture</a:t>
+            </a:r>
+          </a:p>
+        </p:txBody>
+      </p:sp>
     </p:spTree>
     <p:extLst>
       <p:ext uri="{BB962C8B-B14F-4D97-AF65-F5344CB8AC3E}">

--- a/Poster.pptx
+++ b/Poster.pptx
@@ -147,6 +147,11 @@
             </a:pPr>
             <a:r>
               <a:rPr lang="en-US" sz="4000" dirty="0">
+                <a:solidFill>
+                  <a:schemeClr val="bg2">
+                    <a:lumMod val="50000"/>
+                  </a:schemeClr>
+                </a:solidFill>
                 <a:latin typeface="Arial" panose="020B0604020202020204" pitchFamily="34" charset="0"/>
                 <a:cs typeface="Arial" panose="020B0604020202020204" pitchFamily="34" charset="0"/>
               </a:rPr>
@@ -154,12 +159,22 @@
             </a:r>
             <a:r>
               <a:rPr lang="en-US" sz="4000" baseline="0" dirty="0">
+                <a:solidFill>
+                  <a:schemeClr val="bg2">
+                    <a:lumMod val="50000"/>
+                  </a:schemeClr>
+                </a:solidFill>
                 <a:latin typeface="Arial" panose="020B0604020202020204" pitchFamily="34" charset="0"/>
                 <a:cs typeface="Arial" panose="020B0604020202020204" pitchFamily="34" charset="0"/>
               </a:rPr>
               <a:t> Network Only</a:t>
             </a:r>
             <a:endParaRPr lang="en-US" sz="4000" dirty="0">
+              <a:solidFill>
+                <a:schemeClr val="bg2">
+                  <a:lumMod val="50000"/>
+                </a:schemeClr>
+              </a:solidFill>
               <a:latin typeface="Arial" panose="020B0604020202020204" pitchFamily="34" charset="0"/>
               <a:cs typeface="Arial" panose="020B0604020202020204" pitchFamily="34" charset="0"/>
             </a:endParaRPr>
@@ -522,9 +537,8 @@
             <a:pPr>
               <a:defRPr sz="1800" b="0" i="0" u="none" strike="noStrike" kern="1200" baseline="0">
                 <a:solidFill>
-                  <a:schemeClr val="tx1">
-                    <a:lumMod val="65000"/>
-                    <a:lumOff val="35000"/>
+                  <a:schemeClr val="bg2">
+                    <a:lumMod val="50000"/>
                   </a:schemeClr>
                 </a:solidFill>
                 <a:latin typeface="Arial" panose="020B0604020202020204" pitchFamily="34" charset="0"/>
@@ -676,6 +690,11 @@
             </a:pPr>
             <a:r>
               <a:rPr lang="en-US" sz="4000" dirty="0">
+                <a:solidFill>
+                  <a:schemeClr val="bg2">
+                    <a:lumMod val="50000"/>
+                  </a:schemeClr>
+                </a:solidFill>
                 <a:latin typeface="Arial" panose="020B0604020202020204" pitchFamily="34" charset="0"/>
                 <a:cs typeface="Arial" panose="020B0604020202020204" pitchFamily="34" charset="0"/>
               </a:rPr>
@@ -683,12 +702,22 @@
             </a:r>
             <a:r>
               <a:rPr lang="en-US" sz="4000" baseline="0" dirty="0">
+                <a:solidFill>
+                  <a:schemeClr val="bg2">
+                    <a:lumMod val="50000"/>
+                  </a:schemeClr>
+                </a:solidFill>
                 <a:latin typeface="Arial" panose="020B0604020202020204" pitchFamily="34" charset="0"/>
                 <a:cs typeface="Arial" panose="020B0604020202020204" pitchFamily="34" charset="0"/>
               </a:rPr>
               <a:t> Network Performance</a:t>
             </a:r>
             <a:endParaRPr lang="en-US" sz="4000" dirty="0">
+              <a:solidFill>
+                <a:schemeClr val="bg2">
+                  <a:lumMod val="50000"/>
+                </a:schemeClr>
+              </a:solidFill>
               <a:latin typeface="Arial" panose="020B0604020202020204" pitchFamily="34" charset="0"/>
               <a:cs typeface="Arial" panose="020B0604020202020204" pitchFamily="34" charset="0"/>
             </a:endParaRPr>
@@ -1063,9 +1092,8 @@
             <a:pPr>
               <a:defRPr sz="1800" b="0" i="0" u="none" strike="noStrike" kern="1200" baseline="0">
                 <a:solidFill>
-                  <a:schemeClr val="tx1">
-                    <a:lumMod val="65000"/>
-                    <a:lumOff val="35000"/>
+                  <a:schemeClr val="bg2">
+                    <a:lumMod val="50000"/>
                   </a:schemeClr>
                 </a:solidFill>
                 <a:latin typeface="+mn-lt"/>
@@ -5247,7 +5275,7 @@
           <p:nvPr>
             <p:extLst>
               <p:ext uri="{D42A27DB-BD31-4B8C-83A1-F6EECF244321}">
-                <p14:modId xmlns:p14="http://schemas.microsoft.com/office/powerpoint/2010/main" val="766804289"/>
+                <p14:modId xmlns:p14="http://schemas.microsoft.com/office/powerpoint/2010/main" val="41847068"/>
               </p:ext>
             </p:extLst>
           </p:nvPr>
@@ -5417,7 +5445,7 @@
           <p:nvPr>
             <p:extLst>
               <p:ext uri="{D42A27DB-BD31-4B8C-83A1-F6EECF244321}">
-                <p14:modId xmlns:p14="http://schemas.microsoft.com/office/powerpoint/2010/main" val="1716073474"/>
+                <p14:modId xmlns:p14="http://schemas.microsoft.com/office/powerpoint/2010/main" val="2420607890"/>
               </p:ext>
             </p:extLst>
           </p:nvPr>
@@ -5499,6 +5527,11 @@
             <a:pPr algn="ctr"/>
             <a:r>
               <a:rPr lang="en-US" sz="4000" dirty="0">
+                <a:solidFill>
+                  <a:schemeClr val="bg2">
+                    <a:lumMod val="50000"/>
+                  </a:schemeClr>
+                </a:solidFill>
                 <a:latin typeface="Arial" panose="020B0604020202020204" pitchFamily="34" charset="0"/>
                 <a:cs typeface="Arial" panose="020B0604020202020204" pitchFamily="34" charset="0"/>
               </a:rPr>

--- a/Poster.pptx
+++ b/Poster.pptx
@@ -292,7 +292,7 @@
                 <c:formatCode>General</c:formatCode>
                 <c:ptCount val="11"/>
                 <c:pt idx="0">
-                  <c:v>95.95</c:v>
+                  <c:v>95.36</c:v>
                 </c:pt>
                 <c:pt idx="1">
                   <c:v>97.74</c:v>
@@ -301,16 +301,16 @@
                   <c:v>93.01</c:v>
                 </c:pt>
                 <c:pt idx="3">
-                  <c:v>91.5</c:v>
+                  <c:v>91.45</c:v>
                 </c:pt>
                 <c:pt idx="4">
-                  <c:v>95.2</c:v>
+                  <c:v>93.98</c:v>
                 </c:pt>
                 <c:pt idx="5">
-                  <c:v>94.24</c:v>
+                  <c:v>94.14</c:v>
                 </c:pt>
                 <c:pt idx="6">
-                  <c:v>95.31</c:v>
+                  <c:v>94.47</c:v>
                 </c:pt>
                 <c:pt idx="7">
                   <c:v>95.38</c:v>
@@ -5275,7 +5275,7 @@
           <p:nvPr>
             <p:extLst>
               <p:ext uri="{D42A27DB-BD31-4B8C-83A1-F6EECF244321}">
-                <p14:modId xmlns:p14="http://schemas.microsoft.com/office/powerpoint/2010/main" val="41847068"/>
+                <p14:modId xmlns:p14="http://schemas.microsoft.com/office/powerpoint/2010/main" val="1898842006"/>
               </p:ext>
             </p:extLst>
           </p:nvPr>

--- a/Poster.pptx
+++ b/Poster.pptx
@@ -535,7 +535,7 @@
           <a:lstStyle/>
           <a:p>
             <a:pPr>
-              <a:defRPr sz="1800" b="0" i="0" u="none" strike="noStrike" kern="1200" baseline="0">
+              <a:defRPr sz="2400" b="0" i="0" u="none" strike="noStrike" kern="1200" baseline="0">
                 <a:solidFill>
                   <a:schemeClr val="bg2">
                     <a:lumMod val="50000"/>
@@ -594,7 +594,7 @@
           <a:lstStyle/>
           <a:p>
             <a:pPr>
-              <a:defRPr sz="1197" b="0" i="0" u="none" strike="noStrike" kern="1200" baseline="0">
+              <a:defRPr sz="2400" b="0" i="0" u="none" strike="noStrike" kern="1200" baseline="0">
                 <a:solidFill>
                   <a:schemeClr val="tx1">
                     <a:lumMod val="65000"/>
@@ -838,40 +838,40 @@
                 <c:formatCode>General</c:formatCode>
                 <c:ptCount val="12"/>
                 <c:pt idx="0">
-                  <c:v>96.15</c:v>
+                  <c:v>95.73</c:v>
                 </c:pt>
                 <c:pt idx="1">
-                  <c:v>97.53</c:v>
+                  <c:v>97.62</c:v>
                 </c:pt>
                 <c:pt idx="2">
-                  <c:v>95.42</c:v>
+                  <c:v>95.08</c:v>
                 </c:pt>
                 <c:pt idx="3">
-                  <c:v>93.13</c:v>
+                  <c:v>93.09</c:v>
                 </c:pt>
                 <c:pt idx="4">
-                  <c:v>96.37</c:v>
+                  <c:v>96.33</c:v>
                 </c:pt>
                 <c:pt idx="5">
-                  <c:v>96.04</c:v>
+                  <c:v>95.54</c:v>
                 </c:pt>
                 <c:pt idx="6">
-                  <c:v>96.31</c:v>
+                  <c:v>96.29</c:v>
                 </c:pt>
                 <c:pt idx="7">
-                  <c:v>96.44</c:v>
+                  <c:v>96.29</c:v>
                 </c:pt>
                 <c:pt idx="8">
-                  <c:v>97.02</c:v>
+                  <c:v>96.76</c:v>
                 </c:pt>
                 <c:pt idx="9">
-                  <c:v>96.92</c:v>
+                  <c:v>96.88</c:v>
                 </c:pt>
                 <c:pt idx="10">
-                  <c:v>73.47</c:v>
+                  <c:v>71.010000000000005</c:v>
                 </c:pt>
                 <c:pt idx="11">
-                  <c:v>81.900000000000006</c:v>
+                  <c:v>81.03</c:v>
                 </c:pt>
               </c:numCache>
             </c:numRef>
@@ -1090,7 +1090,7 @@
           <a:lstStyle/>
           <a:p>
             <a:pPr>
-              <a:defRPr sz="1800" b="0" i="0" u="none" strike="noStrike" kern="1200" baseline="0">
+              <a:defRPr sz="2400" b="0" i="0" u="none" strike="noStrike" kern="1200" baseline="0">
                 <a:solidFill>
                   <a:schemeClr val="bg2">
                     <a:lumMod val="50000"/>
@@ -1149,7 +1149,7 @@
           <a:lstStyle/>
           <a:p>
             <a:pPr>
-              <a:defRPr sz="1800" b="0" i="0" u="none" strike="noStrike" kern="1200" baseline="0">
+              <a:defRPr sz="2400" b="0" i="0" u="none" strike="noStrike" kern="1200" baseline="0">
                 <a:solidFill>
                   <a:schemeClr val="tx1">
                     <a:lumMod val="65000"/>
@@ -2431,7 +2431,7 @@
           <a:p>
             <a:fld id="{FB6862F1-E970-4543-9C48-06AF413EA094}" type="datetimeFigureOut">
               <a:rPr lang="en-US" smtClean="0"/>
-              <a:t>12/7/2018</a:t>
+              <a:t>12/8/2018</a:t>
             </a:fld>
             <a:endParaRPr lang="en-US"/>
           </a:p>
@@ -2601,7 +2601,7 @@
           <a:p>
             <a:fld id="{FB6862F1-E970-4543-9C48-06AF413EA094}" type="datetimeFigureOut">
               <a:rPr lang="en-US" smtClean="0"/>
-              <a:t>12/7/2018</a:t>
+              <a:t>12/8/2018</a:t>
             </a:fld>
             <a:endParaRPr lang="en-US"/>
           </a:p>
@@ -2781,7 +2781,7 @@
           <a:p>
             <a:fld id="{FB6862F1-E970-4543-9C48-06AF413EA094}" type="datetimeFigureOut">
               <a:rPr lang="en-US" smtClean="0"/>
-              <a:t>12/7/2018</a:t>
+              <a:t>12/8/2018</a:t>
             </a:fld>
             <a:endParaRPr lang="en-US"/>
           </a:p>
@@ -2951,7 +2951,7 @@
           <a:p>
             <a:fld id="{FB6862F1-E970-4543-9C48-06AF413EA094}" type="datetimeFigureOut">
               <a:rPr lang="en-US" smtClean="0"/>
-              <a:t>12/7/2018</a:t>
+              <a:t>12/8/2018</a:t>
             </a:fld>
             <a:endParaRPr lang="en-US"/>
           </a:p>
@@ -3195,7 +3195,7 @@
           <a:p>
             <a:fld id="{FB6862F1-E970-4543-9C48-06AF413EA094}" type="datetimeFigureOut">
               <a:rPr lang="en-US" smtClean="0"/>
-              <a:t>12/7/2018</a:t>
+              <a:t>12/8/2018</a:t>
             </a:fld>
             <a:endParaRPr lang="en-US"/>
           </a:p>
@@ -3427,7 +3427,7 @@
           <a:p>
             <a:fld id="{FB6862F1-E970-4543-9C48-06AF413EA094}" type="datetimeFigureOut">
               <a:rPr lang="en-US" smtClean="0"/>
-              <a:t>12/7/2018</a:t>
+              <a:t>12/8/2018</a:t>
             </a:fld>
             <a:endParaRPr lang="en-US"/>
           </a:p>
@@ -3794,7 +3794,7 @@
           <a:p>
             <a:fld id="{FB6862F1-E970-4543-9C48-06AF413EA094}" type="datetimeFigureOut">
               <a:rPr lang="en-US" smtClean="0"/>
-              <a:t>12/7/2018</a:t>
+              <a:t>12/8/2018</a:t>
             </a:fld>
             <a:endParaRPr lang="en-US"/>
           </a:p>
@@ -3912,7 +3912,7 @@
           <a:p>
             <a:fld id="{FB6862F1-E970-4543-9C48-06AF413EA094}" type="datetimeFigureOut">
               <a:rPr lang="en-US" smtClean="0"/>
-              <a:t>12/7/2018</a:t>
+              <a:t>12/8/2018</a:t>
             </a:fld>
             <a:endParaRPr lang="en-US"/>
           </a:p>
@@ -4007,7 +4007,7 @@
           <a:p>
             <a:fld id="{FB6862F1-E970-4543-9C48-06AF413EA094}" type="datetimeFigureOut">
               <a:rPr lang="en-US" smtClean="0"/>
-              <a:t>12/7/2018</a:t>
+              <a:t>12/8/2018</a:t>
             </a:fld>
             <a:endParaRPr lang="en-US"/>
           </a:p>
@@ -4284,7 +4284,7 @@
           <a:p>
             <a:fld id="{FB6862F1-E970-4543-9C48-06AF413EA094}" type="datetimeFigureOut">
               <a:rPr lang="en-US" smtClean="0"/>
-              <a:t>12/7/2018</a:t>
+              <a:t>12/8/2018</a:t>
             </a:fld>
             <a:endParaRPr lang="en-US"/>
           </a:p>
@@ -4541,7 +4541,7 @@
           <a:p>
             <a:fld id="{FB6862F1-E970-4543-9C48-06AF413EA094}" type="datetimeFigureOut">
               <a:rPr lang="en-US" smtClean="0"/>
-              <a:t>12/7/2018</a:t>
+              <a:t>12/8/2018</a:t>
             </a:fld>
             <a:endParaRPr lang="en-US"/>
           </a:p>
@@ -4754,7 +4754,7 @@
           <a:p>
             <a:fld id="{FB6862F1-E970-4543-9C48-06AF413EA094}" type="datetimeFigureOut">
               <a:rPr lang="en-US" smtClean="0"/>
-              <a:t>12/7/2018</a:t>
+              <a:t>12/8/2018</a:t>
             </a:fld>
             <a:endParaRPr lang="en-US"/>
           </a:p>
@@ -5207,61 +5207,6 @@
           </a:p>
         </p:txBody>
       </p:sp>
-      <p:sp>
-        <p:nvSpPr>
-          <p:cNvPr id="12" name="TextBox 11">
-            <a:extLst>
-              <a:ext uri="{FF2B5EF4-FFF2-40B4-BE49-F238E27FC236}">
-                <a16:creationId xmlns:a16="http://schemas.microsoft.com/office/drawing/2014/main" id="{1700F4F5-0024-40C0-8EDF-B330192BB735}"/>
-              </a:ext>
-            </a:extLst>
-          </p:cNvPr>
-          <p:cNvSpPr txBox="1"/>
-          <p:nvPr/>
-        </p:nvSpPr>
-        <p:spPr>
-          <a:xfrm>
-            <a:off x="23369839" y="18656707"/>
-            <a:ext cx="6400800" cy="2123658"/>
-          </a:xfrm>
-          <a:prstGeom prst="rect">
-            <a:avLst/>
-          </a:prstGeom>
-          <a:solidFill>
-            <a:schemeClr val="bg1"/>
-          </a:solidFill>
-        </p:spPr>
-        <p:txBody>
-          <a:bodyPr wrap="square" rtlCol="0">
-            <a:spAutoFit/>
-          </a:bodyPr>
-          <a:lstStyle/>
-          <a:p>
-            <a:r>
-              <a:rPr lang="en-US" sz="4400" dirty="0"/>
-              <a:t>% </a:t>
-            </a:r>
-            <a:r>
-              <a:rPr lang="en-US" sz="4400" dirty="0" err="1"/>
-              <a:t>unlabled</a:t>
-            </a:r>
-            <a:endParaRPr lang="en-US" sz="4400" dirty="0"/>
-          </a:p>
-          <a:p>
-            <a:endParaRPr lang="en-US" sz="4400" dirty="0">
-              <a:solidFill>
-                <a:schemeClr val="bg1"/>
-              </a:solidFill>
-            </a:endParaRPr>
-          </a:p>
-          <a:p>
-            <a:r>
-              <a:rPr lang="en-US" sz="4400" dirty="0"/>
-              <a:t>% correct /# labeled</a:t>
-            </a:r>
-          </a:p>
-        </p:txBody>
-      </p:sp>
       <p:graphicFrame>
         <p:nvGraphicFramePr>
           <p:cNvPr id="18" name="Chart 17">
@@ -5275,14 +5220,14 @@
           <p:nvPr>
             <p:extLst>
               <p:ext uri="{D42A27DB-BD31-4B8C-83A1-F6EECF244321}">
-                <p14:modId xmlns:p14="http://schemas.microsoft.com/office/powerpoint/2010/main" val="1898842006"/>
+                <p14:modId xmlns:p14="http://schemas.microsoft.com/office/powerpoint/2010/main" val="1561073599"/>
               </p:ext>
             </p:extLst>
           </p:nvPr>
         </p:nvGraphicFramePr>
         <p:xfrm>
-          <a:off x="10921950" y="13267229"/>
-          <a:ext cx="10333681" cy="6023178"/>
+          <a:off x="11292359" y="10675124"/>
+          <a:ext cx="10845154" cy="6733283"/>
         </p:xfrm>
         <a:graphic>
           <a:graphicData uri="http://schemas.openxmlformats.org/drawingml/2006/chart">
@@ -5290,148 +5235,6 @@
           </a:graphicData>
         </a:graphic>
       </p:graphicFrame>
-      <p:pic>
-        <p:nvPicPr>
-          <p:cNvPr id="20" name="Picture 19">
-            <a:extLst>
-              <a:ext uri="{FF2B5EF4-FFF2-40B4-BE49-F238E27FC236}">
-                <a16:creationId xmlns:a16="http://schemas.microsoft.com/office/drawing/2014/main" id="{E4B2BF8D-618D-4E07-B200-04F1838CE9FA}"/>
-              </a:ext>
-            </a:extLst>
-          </p:cNvPr>
-          <p:cNvPicPr>
-            <a:picLocks noChangeAspect="1"/>
-          </p:cNvPicPr>
-          <p:nvPr/>
-        </p:nvPicPr>
-        <p:blipFill>
-          <a:blip r:embed="rId3">
-            <a:extLst>
-              <a:ext uri="{28A0092B-C50C-407E-A947-70E740481C1C}">
-                <a14:useLocalDpi xmlns:a14="http://schemas.microsoft.com/office/drawing/2010/main" val="0"/>
-              </a:ext>
-            </a:extLst>
-          </a:blip>
-          <a:stretch>
-            <a:fillRect/>
-          </a:stretch>
-        </p:blipFill>
-        <p:spPr>
-          <a:xfrm>
-            <a:off x="24774525" y="5943644"/>
-            <a:ext cx="6073460" cy="7689799"/>
-          </a:xfrm>
-          <a:prstGeom prst="rect">
-            <a:avLst/>
-          </a:prstGeom>
-        </p:spPr>
-      </p:pic>
-      <p:sp>
-        <p:nvSpPr>
-          <p:cNvPr id="21" name="TextBox 20">
-            <a:extLst>
-              <a:ext uri="{FF2B5EF4-FFF2-40B4-BE49-F238E27FC236}">
-                <a16:creationId xmlns:a16="http://schemas.microsoft.com/office/drawing/2014/main" id="{93CA3594-6A10-45F8-9D02-4EB346DE0EC0}"/>
-              </a:ext>
-            </a:extLst>
-          </p:cNvPr>
-          <p:cNvSpPr txBox="1"/>
-          <p:nvPr/>
-        </p:nvSpPr>
-        <p:spPr>
-          <a:xfrm>
-            <a:off x="23660101" y="13753165"/>
-            <a:ext cx="9258299" cy="1200329"/>
-          </a:xfrm>
-          <a:prstGeom prst="rect">
-            <a:avLst/>
-          </a:prstGeom>
-          <a:noFill/>
-        </p:spPr>
-        <p:txBody>
-          <a:bodyPr wrap="square" rtlCol="0">
-            <a:spAutoFit/>
-          </a:bodyPr>
-          <a:lstStyle/>
-          <a:p>
-            <a:r>
-              <a:rPr lang="en-US" sz="7200" dirty="0"/>
-              <a:t>Unlabeled stats</a:t>
-            </a:r>
-          </a:p>
-        </p:txBody>
-      </p:sp>
-      <p:pic>
-        <p:nvPicPr>
-          <p:cNvPr id="23" name="Picture 22">
-            <a:extLst>
-              <a:ext uri="{FF2B5EF4-FFF2-40B4-BE49-F238E27FC236}">
-                <a16:creationId xmlns:a16="http://schemas.microsoft.com/office/drawing/2014/main" id="{BD98EB89-C2B7-48FD-B3B2-601C2EAF7AAA}"/>
-              </a:ext>
-            </a:extLst>
-          </p:cNvPr>
-          <p:cNvPicPr>
-            <a:picLocks noChangeAspect="1"/>
-          </p:cNvPicPr>
-          <p:nvPr/>
-        </p:nvPicPr>
-        <p:blipFill>
-          <a:blip r:embed="rId3">
-            <a:extLst>
-              <a:ext uri="{28A0092B-C50C-407E-A947-70E740481C1C}">
-                <a14:useLocalDpi xmlns:a14="http://schemas.microsoft.com/office/drawing/2010/main" val="0"/>
-              </a:ext>
-            </a:extLst>
-          </a:blip>
-          <a:stretch>
-            <a:fillRect/>
-          </a:stretch>
-        </p:blipFill>
-        <p:spPr>
-          <a:xfrm>
-            <a:off x="22629020" y="15459853"/>
-            <a:ext cx="10289380" cy="1752769"/>
-          </a:xfrm>
-          <a:prstGeom prst="rect">
-            <a:avLst/>
-          </a:prstGeom>
-        </p:spPr>
-      </p:pic>
-      <p:sp>
-        <p:nvSpPr>
-          <p:cNvPr id="24" name="TextBox 23">
-            <a:extLst>
-              <a:ext uri="{FF2B5EF4-FFF2-40B4-BE49-F238E27FC236}">
-                <a16:creationId xmlns:a16="http://schemas.microsoft.com/office/drawing/2014/main" id="{436D0DD8-676B-455F-BC0F-8FBBE1924829}"/>
-              </a:ext>
-            </a:extLst>
-          </p:cNvPr>
-          <p:cNvSpPr txBox="1"/>
-          <p:nvPr/>
-        </p:nvSpPr>
-        <p:spPr>
-          <a:xfrm>
-            <a:off x="25104410" y="4437380"/>
-            <a:ext cx="5743575" cy="923330"/>
-          </a:xfrm>
-          <a:prstGeom prst="rect">
-            <a:avLst/>
-          </a:prstGeom>
-          <a:noFill/>
-        </p:spPr>
-        <p:txBody>
-          <a:bodyPr wrap="square" rtlCol="0">
-            <a:spAutoFit/>
-          </a:bodyPr>
-          <a:lstStyle/>
-          <a:p>
-            <a:r>
-              <a:rPr lang="en-US" sz="5400" dirty="0"/>
-              <a:t>Incorrectly labeled</a:t>
-            </a:r>
-          </a:p>
-        </p:txBody>
-      </p:sp>
       <p:graphicFrame>
         <p:nvGraphicFramePr>
           <p:cNvPr id="11" name="Chart 10">
@@ -5445,18 +5248,18 @@
           <p:nvPr>
             <p:extLst>
               <p:ext uri="{D42A27DB-BD31-4B8C-83A1-F6EECF244321}">
-                <p14:modId xmlns:p14="http://schemas.microsoft.com/office/powerpoint/2010/main" val="2420607890"/>
+                <p14:modId xmlns:p14="http://schemas.microsoft.com/office/powerpoint/2010/main" val="1100070267"/>
               </p:ext>
             </p:extLst>
           </p:nvPr>
         </p:nvGraphicFramePr>
         <p:xfrm>
-          <a:off x="10921950" y="4177978"/>
-          <a:ext cx="10333681" cy="6502421"/>
+          <a:off x="10780887" y="3086921"/>
+          <a:ext cx="11356626" cy="7295984"/>
         </p:xfrm>
         <a:graphic>
           <a:graphicData uri="http://schemas.openxmlformats.org/drawingml/2006/chart">
-            <c:chart xmlns:c="http://schemas.openxmlformats.org/drawingml/2006/chart" xmlns:r="http://schemas.openxmlformats.org/officeDocument/2006/relationships" r:id="rId4"/>
+            <c:chart xmlns:c="http://schemas.openxmlformats.org/drawingml/2006/chart" xmlns:r="http://schemas.openxmlformats.org/officeDocument/2006/relationships" r:id="rId3"/>
           </a:graphicData>
         </a:graphic>
       </p:graphicFrame>
@@ -5466,6 +5269,86 @@
             <a:extLst>
               <a:ext uri="{FF2B5EF4-FFF2-40B4-BE49-F238E27FC236}">
                 <a16:creationId xmlns:a16="http://schemas.microsoft.com/office/drawing/2014/main" id="{FB833AF1-D9D9-4A1E-94A0-293CC9B48026}"/>
+              </a:ext>
+            </a:extLst>
+          </p:cNvPr>
+          <p:cNvPicPr>
+            <a:picLocks noChangeAspect="1"/>
+          </p:cNvPicPr>
+          <p:nvPr/>
+        </p:nvPicPr>
+        <p:blipFill>
+          <a:blip r:embed="rId4">
+            <a:extLst>
+              <a:ext uri="{28A0092B-C50C-407E-A947-70E740481C1C}">
+                <a14:useLocalDpi xmlns:a14="http://schemas.microsoft.com/office/drawing/2010/main" val="0"/>
+              </a:ext>
+            </a:extLst>
+          </a:blip>
+          <a:stretch>
+            <a:fillRect/>
+          </a:stretch>
+        </p:blipFill>
+        <p:spPr>
+          <a:xfrm>
+            <a:off x="351465" y="4289979"/>
+            <a:ext cx="9234603" cy="16154376"/>
+          </a:xfrm>
+          <a:prstGeom prst="rect">
+            <a:avLst/>
+          </a:prstGeom>
+        </p:spPr>
+      </p:pic>
+      <p:sp>
+        <p:nvSpPr>
+          <p:cNvPr id="8" name="TextBox 7">
+            <a:extLst>
+              <a:ext uri="{FF2B5EF4-FFF2-40B4-BE49-F238E27FC236}">
+                <a16:creationId xmlns:a16="http://schemas.microsoft.com/office/drawing/2014/main" id="{5FEC42C0-C767-452D-A820-0D3CA6A11790}"/>
+              </a:ext>
+            </a:extLst>
+          </p:cNvPr>
+          <p:cNvSpPr txBox="1"/>
+          <p:nvPr/>
+        </p:nvSpPr>
+        <p:spPr>
+          <a:xfrm>
+            <a:off x="2263202" y="3141905"/>
+            <a:ext cx="5411130" cy="707886"/>
+          </a:xfrm>
+          <a:prstGeom prst="rect">
+            <a:avLst/>
+          </a:prstGeom>
+          <a:noFill/>
+        </p:spPr>
+        <p:txBody>
+          <a:bodyPr wrap="square" rtlCol="0">
+            <a:spAutoFit/>
+          </a:bodyPr>
+          <a:lstStyle/>
+          <a:p>
+            <a:pPr algn="ctr"/>
+            <a:r>
+              <a:rPr lang="en-US" sz="4000" dirty="0">
+                <a:solidFill>
+                  <a:schemeClr val="bg2">
+                    <a:lumMod val="50000"/>
+                  </a:schemeClr>
+                </a:solidFill>
+                <a:latin typeface="Arial" panose="020B0604020202020204" pitchFamily="34" charset="0"/>
+                <a:cs typeface="Arial" panose="020B0604020202020204" pitchFamily="34" charset="0"/>
+              </a:rPr>
+              <a:t>Project Architecture</a:t>
+            </a:r>
+          </a:p>
+        </p:txBody>
+      </p:sp>
+      <p:pic>
+        <p:nvPicPr>
+          <p:cNvPr id="3" name="Picture 2">
+            <a:extLst>
+              <a:ext uri="{FF2B5EF4-FFF2-40B4-BE49-F238E27FC236}">
+                <a16:creationId xmlns:a16="http://schemas.microsoft.com/office/drawing/2014/main" id="{F4929220-43DD-4E57-824D-B3B46D7A10E9}"/>
               </a:ext>
             </a:extLst>
           </p:cNvPr>
@@ -5488,20 +5371,91 @@
         </p:blipFill>
         <p:spPr>
           <a:xfrm>
-            <a:off x="313958" y="5190041"/>
-            <a:ext cx="9234603" cy="16154376"/>
+            <a:off x="23189447" y="3495847"/>
+            <a:ext cx="8772452" cy="6524511"/>
           </a:xfrm>
           <a:prstGeom prst="rect">
             <a:avLst/>
           </a:prstGeom>
         </p:spPr>
       </p:pic>
-      <p:sp>
-        <p:nvSpPr>
-          <p:cNvPr id="8" name="TextBox 7">
+      <p:pic>
+        <p:nvPicPr>
+          <p:cNvPr id="5" name="Picture 4">
             <a:extLst>
               <a:ext uri="{FF2B5EF4-FFF2-40B4-BE49-F238E27FC236}">
-                <a16:creationId xmlns:a16="http://schemas.microsoft.com/office/drawing/2014/main" id="{5FEC42C0-C767-452D-A820-0D3CA6A11790}"/>
+                <a16:creationId xmlns:a16="http://schemas.microsoft.com/office/drawing/2014/main" id="{5A091A6A-ED43-4AC0-BA77-6AACCFA8348A}"/>
+              </a:ext>
+            </a:extLst>
+          </p:cNvPr>
+          <p:cNvPicPr>
+            <a:picLocks noChangeAspect="1"/>
+          </p:cNvPicPr>
+          <p:nvPr/>
+        </p:nvPicPr>
+        <p:blipFill>
+          <a:blip r:embed="rId6">
+            <a:extLst>
+              <a:ext uri="{28A0092B-C50C-407E-A947-70E740481C1C}">
+                <a14:useLocalDpi xmlns:a14="http://schemas.microsoft.com/office/drawing/2010/main" val="0"/>
+              </a:ext>
+            </a:extLst>
+          </a:blip>
+          <a:stretch>
+            <a:fillRect/>
+          </a:stretch>
+        </p:blipFill>
+        <p:spPr>
+          <a:xfrm>
+            <a:off x="23170627" y="9973444"/>
+            <a:ext cx="9053153" cy="6733283"/>
+          </a:xfrm>
+          <a:prstGeom prst="rect">
+            <a:avLst/>
+          </a:prstGeom>
+        </p:spPr>
+      </p:pic>
+      <p:pic>
+        <p:nvPicPr>
+          <p:cNvPr id="10" name="Picture 9">
+            <a:extLst>
+              <a:ext uri="{FF2B5EF4-FFF2-40B4-BE49-F238E27FC236}">
+                <a16:creationId xmlns:a16="http://schemas.microsoft.com/office/drawing/2014/main" id="{9627FFA6-8812-4B97-BAC7-99B455A347AA}"/>
+              </a:ext>
+            </a:extLst>
+          </p:cNvPr>
+          <p:cNvPicPr>
+            <a:picLocks noChangeAspect="1"/>
+          </p:cNvPicPr>
+          <p:nvPr/>
+        </p:nvPicPr>
+        <p:blipFill rotWithShape="1">
+          <a:blip r:embed="rId7">
+            <a:extLst>
+              <a:ext uri="{28A0092B-C50C-407E-A947-70E740481C1C}">
+                <a14:useLocalDpi xmlns:a14="http://schemas.microsoft.com/office/drawing/2010/main" val="0"/>
+              </a:ext>
+            </a:extLst>
+          </a:blip>
+          <a:srcRect t="37921" b="33529"/>
+          <a:stretch/>
+        </p:blipFill>
+        <p:spPr>
+          <a:xfrm>
+            <a:off x="23332334" y="16809482"/>
+            <a:ext cx="8443874" cy="1792966"/>
+          </a:xfrm>
+          <a:prstGeom prst="rect">
+            <a:avLst/>
+          </a:prstGeom>
+        </p:spPr>
+      </p:pic>
+      <p:sp>
+        <p:nvSpPr>
+          <p:cNvPr id="19" name="TextBox 18">
+            <a:extLst>
+              <a:ext uri="{FF2B5EF4-FFF2-40B4-BE49-F238E27FC236}">
+                <a16:creationId xmlns:a16="http://schemas.microsoft.com/office/drawing/2014/main" id="{0A22CABF-690A-414D-A3EE-73CEE6E00CA1}"/>
               </a:ext>
             </a:extLst>
           </p:cNvPr>
@@ -5510,7 +5464,7 @@
         </p:nvSpPr>
         <p:spPr>
           <a:xfrm>
-            <a:off x="2225694" y="4191159"/>
+            <a:off x="25061054" y="3141905"/>
             <a:ext cx="5411130" cy="707886"/>
           </a:xfrm>
           <a:prstGeom prst="rect">
@@ -5535,7 +5489,953 @@
                 <a:latin typeface="Arial" panose="020B0604020202020204" pitchFamily="34" charset="0"/>
                 <a:cs typeface="Arial" panose="020B0604020202020204" pitchFamily="34" charset="0"/>
               </a:rPr>
-              <a:t>Project Architecture</a:t>
+              <a:t>False Positives</a:t>
+            </a:r>
+          </a:p>
+        </p:txBody>
+      </p:sp>
+      <p:sp>
+        <p:nvSpPr>
+          <p:cNvPr id="22" name="TextBox 21">
+            <a:extLst>
+              <a:ext uri="{FF2B5EF4-FFF2-40B4-BE49-F238E27FC236}">
+                <a16:creationId xmlns:a16="http://schemas.microsoft.com/office/drawing/2014/main" id="{FA49EFAD-6137-4505-8997-1D9EC1308039}"/>
+              </a:ext>
+            </a:extLst>
+          </p:cNvPr>
+          <p:cNvSpPr txBox="1"/>
+          <p:nvPr/>
+        </p:nvSpPr>
+        <p:spPr>
+          <a:xfrm>
+            <a:off x="25136734" y="9856555"/>
+            <a:ext cx="5411130" cy="707886"/>
+          </a:xfrm>
+          <a:prstGeom prst="rect">
+            <a:avLst/>
+          </a:prstGeom>
+          <a:noFill/>
+        </p:spPr>
+        <p:txBody>
+          <a:bodyPr wrap="square" rtlCol="0">
+            <a:spAutoFit/>
+          </a:bodyPr>
+          <a:lstStyle/>
+          <a:p>
+            <a:pPr algn="ctr"/>
+            <a:r>
+              <a:rPr lang="en-US" sz="4000" dirty="0">
+                <a:solidFill>
+                  <a:schemeClr val="bg2">
+                    <a:lumMod val="50000"/>
+                  </a:schemeClr>
+                </a:solidFill>
+                <a:latin typeface="Arial" panose="020B0604020202020204" pitchFamily="34" charset="0"/>
+                <a:cs typeface="Arial" panose="020B0604020202020204" pitchFamily="34" charset="0"/>
+              </a:rPr>
+              <a:t>False Negatives</a:t>
+            </a:r>
+          </a:p>
+        </p:txBody>
+      </p:sp>
+      <p:graphicFrame>
+        <p:nvGraphicFramePr>
+          <p:cNvPr id="16" name="Table 15">
+            <a:extLst>
+              <a:ext uri="{FF2B5EF4-FFF2-40B4-BE49-F238E27FC236}">
+                <a16:creationId xmlns:a16="http://schemas.microsoft.com/office/drawing/2014/main" id="{FE32BE18-4B38-4017-96E3-A6C6B64967A3}"/>
+              </a:ext>
+            </a:extLst>
+          </p:cNvPr>
+          <p:cNvGraphicFramePr>
+            <a:graphicFrameLocks noGrp="1"/>
+          </p:cNvGraphicFramePr>
+          <p:nvPr>
+            <p:extLst>
+              <p:ext uri="{D42A27DB-BD31-4B8C-83A1-F6EECF244321}">
+                <p14:modId xmlns:p14="http://schemas.microsoft.com/office/powerpoint/2010/main" val="3633435769"/>
+              </p:ext>
+            </p:extLst>
+          </p:nvPr>
+        </p:nvGraphicFramePr>
+        <p:xfrm>
+          <a:off x="9260922" y="18561754"/>
+          <a:ext cx="22700977" cy="2103120"/>
+        </p:xfrm>
+        <a:graphic>
+          <a:graphicData uri="http://schemas.openxmlformats.org/drawingml/2006/table">
+            <a:tbl>
+              <a:tblPr firstRow="1" bandRow="1">
+                <a:tableStyleId>{5C22544A-7EE6-4342-B048-85BDC9FD1C3A}</a:tableStyleId>
+              </a:tblPr>
+              <a:tblGrid>
+                <a:gridCol w="2029143">
+                  <a:extLst>
+                    <a:ext uri="{9D8B030D-6E8A-4147-A177-3AD203B41FA5}">
+                      <a16:colId xmlns:a16="http://schemas.microsoft.com/office/drawing/2014/main" val="254242110"/>
+                    </a:ext>
+                  </a:extLst>
+                </a:gridCol>
+                <a:gridCol w="2716339">
+                  <a:extLst>
+                    <a:ext uri="{9D8B030D-6E8A-4147-A177-3AD203B41FA5}">
+                      <a16:colId xmlns:a16="http://schemas.microsoft.com/office/drawing/2014/main" val="3369663372"/>
+                    </a:ext>
+                  </a:extLst>
+                </a:gridCol>
+                <a:gridCol w="1995055">
+                  <a:extLst>
+                    <a:ext uri="{9D8B030D-6E8A-4147-A177-3AD203B41FA5}">
+                      <a16:colId xmlns:a16="http://schemas.microsoft.com/office/drawing/2014/main" val="1176715945"/>
+                    </a:ext>
+                  </a:extLst>
+                </a:gridCol>
+                <a:gridCol w="1995055">
+                  <a:extLst>
+                    <a:ext uri="{9D8B030D-6E8A-4147-A177-3AD203B41FA5}">
+                      <a16:colId xmlns:a16="http://schemas.microsoft.com/office/drawing/2014/main" val="3867356758"/>
+                    </a:ext>
+                  </a:extLst>
+                </a:gridCol>
+                <a:gridCol w="1995055">
+                  <a:extLst>
+                    <a:ext uri="{9D8B030D-6E8A-4147-A177-3AD203B41FA5}">
+                      <a16:colId xmlns:a16="http://schemas.microsoft.com/office/drawing/2014/main" val="2875291961"/>
+                    </a:ext>
+                  </a:extLst>
+                </a:gridCol>
+                <a:gridCol w="1995055">
+                  <a:extLst>
+                    <a:ext uri="{9D8B030D-6E8A-4147-A177-3AD203B41FA5}">
+                      <a16:colId xmlns:a16="http://schemas.microsoft.com/office/drawing/2014/main" val="850328451"/>
+                    </a:ext>
+                  </a:extLst>
+                </a:gridCol>
+                <a:gridCol w="1995055">
+                  <a:extLst>
+                    <a:ext uri="{9D8B030D-6E8A-4147-A177-3AD203B41FA5}">
+                      <a16:colId xmlns:a16="http://schemas.microsoft.com/office/drawing/2014/main" val="1608444861"/>
+                    </a:ext>
+                  </a:extLst>
+                </a:gridCol>
+                <a:gridCol w="1995055">
+                  <a:extLst>
+                    <a:ext uri="{9D8B030D-6E8A-4147-A177-3AD203B41FA5}">
+                      <a16:colId xmlns:a16="http://schemas.microsoft.com/office/drawing/2014/main" val="2832069419"/>
+                    </a:ext>
+                  </a:extLst>
+                </a:gridCol>
+                <a:gridCol w="1995055">
+                  <a:extLst>
+                    <a:ext uri="{9D8B030D-6E8A-4147-A177-3AD203B41FA5}">
+                      <a16:colId xmlns:a16="http://schemas.microsoft.com/office/drawing/2014/main" val="3059207409"/>
+                    </a:ext>
+                  </a:extLst>
+                </a:gridCol>
+                <a:gridCol w="1995055">
+                  <a:extLst>
+                    <a:ext uri="{9D8B030D-6E8A-4147-A177-3AD203B41FA5}">
+                      <a16:colId xmlns:a16="http://schemas.microsoft.com/office/drawing/2014/main" val="2651014132"/>
+                    </a:ext>
+                  </a:extLst>
+                </a:gridCol>
+                <a:gridCol w="1995055">
+                  <a:extLst>
+                    <a:ext uri="{9D8B030D-6E8A-4147-A177-3AD203B41FA5}">
+                      <a16:colId xmlns:a16="http://schemas.microsoft.com/office/drawing/2014/main" val="2848382674"/>
+                    </a:ext>
+                  </a:extLst>
+                </a:gridCol>
+              </a:tblGrid>
+              <a:tr h="370840">
+                <a:tc gridSpan="11">
+                  <a:txBody>
+                    <a:bodyPr/>
+                    <a:lstStyle/>
+                    <a:p>
+                      <a:pPr algn="ctr"/>
+                      <a:r>
+                        <a:rPr lang="en-US" sz="4000" b="0" dirty="0">
+                          <a:solidFill>
+                            <a:schemeClr val="tx1"/>
+                          </a:solidFill>
+                        </a:rPr>
+                        <a:t>Unlabeled Images by Class</a:t>
+                      </a:r>
+                    </a:p>
+                  </a:txBody>
+                  <a:tcPr>
+                    <a:lnL w="12700" cap="flat" cmpd="sng" algn="ctr">
+                      <a:solidFill>
+                        <a:schemeClr val="tx1"/>
+                      </a:solidFill>
+                      <a:prstDash val="solid"/>
+                      <a:round/>
+                      <a:headEnd type="none" w="med" len="med"/>
+                      <a:tailEnd type="none" w="med" len="med"/>
+                    </a:lnL>
+                    <a:lnR w="12700" cap="flat" cmpd="sng" algn="ctr">
+                      <a:solidFill>
+                        <a:schemeClr val="tx1"/>
+                      </a:solidFill>
+                      <a:prstDash val="solid"/>
+                      <a:round/>
+                      <a:headEnd type="none" w="med" len="med"/>
+                      <a:tailEnd type="none" w="med" len="med"/>
+                    </a:lnR>
+                    <a:lnT w="12700" cap="flat" cmpd="sng" algn="ctr">
+                      <a:solidFill>
+                        <a:schemeClr val="tx1"/>
+                      </a:solidFill>
+                      <a:prstDash val="solid"/>
+                      <a:round/>
+                      <a:headEnd type="none" w="med" len="med"/>
+                      <a:tailEnd type="none" w="med" len="med"/>
+                    </a:lnT>
+                    <a:solidFill>
+                      <a:schemeClr val="accent6">
+                        <a:lumMod val="40000"/>
+                        <a:lumOff val="60000"/>
+                      </a:schemeClr>
+                    </a:solidFill>
+                  </a:tcPr>
+                </a:tc>
+                <a:tc hMerge="1">
+                  <a:txBody>
+                    <a:bodyPr/>
+                    <a:lstStyle/>
+                    <a:p>
+                      <a:endParaRPr lang="en-US" sz="4000"/>
+                    </a:p>
+                  </a:txBody>
+                  <a:tcPr/>
+                </a:tc>
+                <a:tc hMerge="1">
+                  <a:txBody>
+                    <a:bodyPr/>
+                    <a:lstStyle/>
+                    <a:p>
+                      <a:endParaRPr lang="en-US" sz="4000"/>
+                    </a:p>
+                  </a:txBody>
+                  <a:tcPr/>
+                </a:tc>
+                <a:tc hMerge="1">
+                  <a:txBody>
+                    <a:bodyPr/>
+                    <a:lstStyle/>
+                    <a:p>
+                      <a:endParaRPr lang="en-US" sz="4000"/>
+                    </a:p>
+                  </a:txBody>
+                  <a:tcPr/>
+                </a:tc>
+                <a:tc hMerge="1">
+                  <a:txBody>
+                    <a:bodyPr/>
+                    <a:lstStyle/>
+                    <a:p>
+                      <a:endParaRPr lang="en-US" sz="4000"/>
+                    </a:p>
+                  </a:txBody>
+                  <a:tcPr/>
+                </a:tc>
+                <a:tc hMerge="1">
+                  <a:txBody>
+                    <a:bodyPr/>
+                    <a:lstStyle/>
+                    <a:p>
+                      <a:endParaRPr lang="en-US" sz="4000"/>
+                    </a:p>
+                  </a:txBody>
+                  <a:tcPr/>
+                </a:tc>
+                <a:tc hMerge="1">
+                  <a:txBody>
+                    <a:bodyPr/>
+                    <a:lstStyle/>
+                    <a:p>
+                      <a:endParaRPr lang="en-US" sz="4000"/>
+                    </a:p>
+                  </a:txBody>
+                  <a:tcPr/>
+                </a:tc>
+                <a:tc hMerge="1">
+                  <a:txBody>
+                    <a:bodyPr/>
+                    <a:lstStyle/>
+                    <a:p>
+                      <a:endParaRPr lang="en-US" sz="4000"/>
+                    </a:p>
+                  </a:txBody>
+                  <a:tcPr/>
+                </a:tc>
+                <a:tc hMerge="1">
+                  <a:txBody>
+                    <a:bodyPr/>
+                    <a:lstStyle/>
+                    <a:p>
+                      <a:endParaRPr lang="en-US" sz="4000"/>
+                    </a:p>
+                  </a:txBody>
+                  <a:tcPr/>
+                </a:tc>
+                <a:tc hMerge="1">
+                  <a:txBody>
+                    <a:bodyPr/>
+                    <a:lstStyle/>
+                    <a:p>
+                      <a:endParaRPr lang="en-US" sz="4000"/>
+                    </a:p>
+                  </a:txBody>
+                  <a:tcPr/>
+                </a:tc>
+                <a:tc hMerge="1">
+                  <a:txBody>
+                    <a:bodyPr/>
+                    <a:lstStyle/>
+                    <a:p>
+                      <a:endParaRPr lang="en-US" sz="4000" dirty="0"/>
+                    </a:p>
+                  </a:txBody>
+                  <a:tcPr/>
+                </a:tc>
+                <a:extLst>
+                  <a:ext uri="{0D108BD9-81ED-4DB2-BD59-A6C34878D82A}">
+                    <a16:rowId xmlns:a16="http://schemas.microsoft.com/office/drawing/2014/main" val="3726849550"/>
+                  </a:ext>
+                </a:extLst>
+              </a:tr>
+              <a:tr h="370840">
+                <a:tc>
+                  <a:txBody>
+                    <a:bodyPr/>
+                    <a:lstStyle/>
+                    <a:p>
+                      <a:pPr algn="ctr"/>
+                      <a:r>
+                        <a:rPr lang="en-US" sz="4000" b="0" dirty="0"/>
+                        <a:t>Airplane</a:t>
+                      </a:r>
+                    </a:p>
+                  </a:txBody>
+                  <a:tcPr>
+                    <a:lnL w="12700" cap="flat" cmpd="sng" algn="ctr">
+                      <a:solidFill>
+                        <a:schemeClr val="tx1"/>
+                      </a:solidFill>
+                      <a:prstDash val="solid"/>
+                      <a:round/>
+                      <a:headEnd type="none" w="med" len="med"/>
+                      <a:tailEnd type="none" w="med" len="med"/>
+                    </a:lnL>
+                    <a:solidFill>
+                      <a:schemeClr val="bg1"/>
+                    </a:solidFill>
+                  </a:tcPr>
+                </a:tc>
+                <a:tc>
+                  <a:txBody>
+                    <a:bodyPr/>
+                    <a:lstStyle/>
+                    <a:p>
+                      <a:pPr algn="ctr"/>
+                      <a:r>
+                        <a:rPr lang="en-US" sz="4000" b="0" dirty="0"/>
+                        <a:t>Automobile</a:t>
+                      </a:r>
+                    </a:p>
+                  </a:txBody>
+                  <a:tcPr>
+                    <a:solidFill>
+                      <a:schemeClr val="bg1"/>
+                    </a:solidFill>
+                  </a:tcPr>
+                </a:tc>
+                <a:tc>
+                  <a:txBody>
+                    <a:bodyPr/>
+                    <a:lstStyle/>
+                    <a:p>
+                      <a:pPr algn="ctr"/>
+                      <a:r>
+                        <a:rPr lang="en-US" sz="4000" b="0" dirty="0"/>
+                        <a:t>Bird</a:t>
+                      </a:r>
+                    </a:p>
+                  </a:txBody>
+                  <a:tcPr>
+                    <a:solidFill>
+                      <a:schemeClr val="bg1"/>
+                    </a:solidFill>
+                  </a:tcPr>
+                </a:tc>
+                <a:tc>
+                  <a:txBody>
+                    <a:bodyPr/>
+                    <a:lstStyle/>
+                    <a:p>
+                      <a:pPr algn="ctr"/>
+                      <a:r>
+                        <a:rPr lang="en-US" sz="4000" b="0" dirty="0"/>
+                        <a:t>Cat</a:t>
+                      </a:r>
+                    </a:p>
+                  </a:txBody>
+                  <a:tcPr>
+                    <a:solidFill>
+                      <a:schemeClr val="bg1"/>
+                    </a:solidFill>
+                  </a:tcPr>
+                </a:tc>
+                <a:tc>
+                  <a:txBody>
+                    <a:bodyPr/>
+                    <a:lstStyle/>
+                    <a:p>
+                      <a:pPr algn="ctr"/>
+                      <a:r>
+                        <a:rPr lang="en-US" sz="4000" b="0" dirty="0"/>
+                        <a:t>Dog</a:t>
+                      </a:r>
+                    </a:p>
+                  </a:txBody>
+                  <a:tcPr>
+                    <a:solidFill>
+                      <a:schemeClr val="bg1"/>
+                    </a:solidFill>
+                  </a:tcPr>
+                </a:tc>
+                <a:tc>
+                  <a:txBody>
+                    <a:bodyPr/>
+                    <a:lstStyle/>
+                    <a:p>
+                      <a:pPr algn="ctr"/>
+                      <a:r>
+                        <a:rPr lang="en-US" sz="4000" b="0" dirty="0"/>
+                        <a:t>Deer</a:t>
+                      </a:r>
+                    </a:p>
+                  </a:txBody>
+                  <a:tcPr>
+                    <a:solidFill>
+                      <a:schemeClr val="bg1"/>
+                    </a:solidFill>
+                  </a:tcPr>
+                </a:tc>
+                <a:tc>
+                  <a:txBody>
+                    <a:bodyPr/>
+                    <a:lstStyle/>
+                    <a:p>
+                      <a:pPr algn="ctr"/>
+                      <a:r>
+                        <a:rPr lang="en-US" sz="4000" b="0" dirty="0"/>
+                        <a:t>Frog</a:t>
+                      </a:r>
+                    </a:p>
+                  </a:txBody>
+                  <a:tcPr>
+                    <a:solidFill>
+                      <a:schemeClr val="bg1"/>
+                    </a:solidFill>
+                  </a:tcPr>
+                </a:tc>
+                <a:tc>
+                  <a:txBody>
+                    <a:bodyPr/>
+                    <a:lstStyle/>
+                    <a:p>
+                      <a:pPr algn="ctr"/>
+                      <a:r>
+                        <a:rPr lang="en-US" sz="4000" b="0" dirty="0"/>
+                        <a:t>Horse</a:t>
+                      </a:r>
+                    </a:p>
+                  </a:txBody>
+                  <a:tcPr>
+                    <a:solidFill>
+                      <a:schemeClr val="bg1"/>
+                    </a:solidFill>
+                  </a:tcPr>
+                </a:tc>
+                <a:tc>
+                  <a:txBody>
+                    <a:bodyPr/>
+                    <a:lstStyle/>
+                    <a:p>
+                      <a:pPr algn="ctr"/>
+                      <a:r>
+                        <a:rPr lang="en-US" sz="4000" b="0" dirty="0"/>
+                        <a:t>Ship</a:t>
+                      </a:r>
+                    </a:p>
+                  </a:txBody>
+                  <a:tcPr>
+                    <a:solidFill>
+                      <a:schemeClr val="bg1"/>
+                    </a:solidFill>
+                  </a:tcPr>
+                </a:tc>
+                <a:tc>
+                  <a:txBody>
+                    <a:bodyPr/>
+                    <a:lstStyle/>
+                    <a:p>
+                      <a:pPr algn="ctr"/>
+                      <a:r>
+                        <a:rPr lang="en-US" sz="4000" b="0" dirty="0"/>
+                        <a:t>Truck</a:t>
+                      </a:r>
+                    </a:p>
+                  </a:txBody>
+                  <a:tcPr>
+                    <a:solidFill>
+                      <a:schemeClr val="bg1"/>
+                    </a:solidFill>
+                  </a:tcPr>
+                </a:tc>
+                <a:tc>
+                  <a:txBody>
+                    <a:bodyPr/>
+                    <a:lstStyle/>
+                    <a:p>
+                      <a:pPr algn="ctr"/>
+                      <a:r>
+                        <a:rPr lang="en-US" sz="4000" b="0" dirty="0"/>
+                        <a:t>Total</a:t>
+                      </a:r>
+                    </a:p>
+                  </a:txBody>
+                  <a:tcPr>
+                    <a:lnR w="12700" cap="flat" cmpd="sng" algn="ctr">
+                      <a:solidFill>
+                        <a:schemeClr val="tx1"/>
+                      </a:solidFill>
+                      <a:prstDash val="solid"/>
+                      <a:round/>
+                      <a:headEnd type="none" w="med" len="med"/>
+                      <a:tailEnd type="none" w="med" len="med"/>
+                    </a:lnR>
+                    <a:solidFill>
+                      <a:schemeClr val="bg1"/>
+                    </a:solidFill>
+                  </a:tcPr>
+                </a:tc>
+                <a:extLst>
+                  <a:ext uri="{0D108BD9-81ED-4DB2-BD59-A6C34878D82A}">
+                    <a16:rowId xmlns:a16="http://schemas.microsoft.com/office/drawing/2014/main" val="3904254122"/>
+                  </a:ext>
+                </a:extLst>
+              </a:tr>
+              <a:tr h="370840">
+                <a:tc>
+                  <a:txBody>
+                    <a:bodyPr/>
+                    <a:lstStyle/>
+                    <a:p>
+                      <a:pPr algn="ctr"/>
+                      <a:r>
+                        <a:rPr lang="en-US" sz="4000" b="0" dirty="0"/>
+                        <a:t>270</a:t>
+                      </a:r>
+                    </a:p>
+                  </a:txBody>
+                  <a:tcPr>
+                    <a:lnL w="12700" cap="flat" cmpd="sng" algn="ctr">
+                      <a:solidFill>
+                        <a:schemeClr val="tx1"/>
+                      </a:solidFill>
+                      <a:prstDash val="solid"/>
+                      <a:round/>
+                      <a:headEnd type="none" w="med" len="med"/>
+                      <a:tailEnd type="none" w="med" len="med"/>
+                    </a:lnL>
+                    <a:lnB w="12700" cap="flat" cmpd="sng" algn="ctr">
+                      <a:solidFill>
+                        <a:schemeClr val="tx1"/>
+                      </a:solidFill>
+                      <a:prstDash val="solid"/>
+                      <a:round/>
+                      <a:headEnd type="none" w="med" len="med"/>
+                      <a:tailEnd type="none" w="med" len="med"/>
+                    </a:lnB>
+                    <a:solidFill>
+                      <a:schemeClr val="bg1"/>
+                    </a:solidFill>
+                  </a:tcPr>
+                </a:tc>
+                <a:tc>
+                  <a:txBody>
+                    <a:bodyPr/>
+                    <a:lstStyle/>
+                    <a:p>
+                      <a:pPr algn="ctr"/>
+                      <a:r>
+                        <a:rPr lang="en-US" sz="4000" b="0" dirty="0"/>
+                        <a:t>117</a:t>
+                      </a:r>
+                    </a:p>
+                  </a:txBody>
+                  <a:tcPr>
+                    <a:lnB w="12700" cap="flat" cmpd="sng" algn="ctr">
+                      <a:solidFill>
+                        <a:schemeClr val="tx1"/>
+                      </a:solidFill>
+                      <a:prstDash val="solid"/>
+                      <a:round/>
+                      <a:headEnd type="none" w="med" len="med"/>
+                      <a:tailEnd type="none" w="med" len="med"/>
+                    </a:lnB>
+                    <a:solidFill>
+                      <a:schemeClr val="bg1"/>
+                    </a:solidFill>
+                  </a:tcPr>
+                </a:tc>
+                <a:tc>
+                  <a:txBody>
+                    <a:bodyPr/>
+                    <a:lstStyle/>
+                    <a:p>
+                      <a:pPr algn="ctr"/>
+                      <a:r>
+                        <a:rPr lang="en-US" sz="4000" b="0" dirty="0"/>
+                        <a:t>160</a:t>
+                      </a:r>
+                    </a:p>
+                  </a:txBody>
+                  <a:tcPr>
+                    <a:lnB w="12700" cap="flat" cmpd="sng" algn="ctr">
+                      <a:solidFill>
+                        <a:schemeClr val="tx1"/>
+                      </a:solidFill>
+                      <a:prstDash val="solid"/>
+                      <a:round/>
+                      <a:headEnd type="none" w="med" len="med"/>
+                      <a:tailEnd type="none" w="med" len="med"/>
+                    </a:lnB>
+                    <a:solidFill>
+                      <a:schemeClr val="bg1"/>
+                    </a:solidFill>
+                  </a:tcPr>
+                </a:tc>
+                <a:tc>
+                  <a:txBody>
+                    <a:bodyPr/>
+                    <a:lstStyle/>
+                    <a:p>
+                      <a:pPr algn="ctr"/>
+                      <a:r>
+                        <a:rPr lang="en-US" sz="4000" b="0" dirty="0"/>
+                        <a:t>327</a:t>
+                      </a:r>
+                    </a:p>
+                  </a:txBody>
+                  <a:tcPr>
+                    <a:lnB w="12700" cap="flat" cmpd="sng" algn="ctr">
+                      <a:solidFill>
+                        <a:schemeClr val="tx1"/>
+                      </a:solidFill>
+                      <a:prstDash val="solid"/>
+                      <a:round/>
+                      <a:headEnd type="none" w="med" len="med"/>
+                      <a:tailEnd type="none" w="med" len="med"/>
+                    </a:lnB>
+                    <a:solidFill>
+                      <a:schemeClr val="bg1"/>
+                    </a:solidFill>
+                  </a:tcPr>
+                </a:tc>
+                <a:tc>
+                  <a:txBody>
+                    <a:bodyPr/>
+                    <a:lstStyle/>
+                    <a:p>
+                      <a:pPr algn="ctr"/>
+                      <a:r>
+                        <a:rPr lang="en-US" sz="4000" b="0" dirty="0"/>
+                        <a:t>157</a:t>
+                      </a:r>
+                    </a:p>
+                  </a:txBody>
+                  <a:tcPr>
+                    <a:lnB w="12700" cap="flat" cmpd="sng" algn="ctr">
+                      <a:solidFill>
+                        <a:schemeClr val="tx1"/>
+                      </a:solidFill>
+                      <a:prstDash val="solid"/>
+                      <a:round/>
+                      <a:headEnd type="none" w="med" len="med"/>
+                      <a:tailEnd type="none" w="med" len="med"/>
+                    </a:lnB>
+                    <a:solidFill>
+                      <a:schemeClr val="bg1"/>
+                    </a:solidFill>
+                  </a:tcPr>
+                </a:tc>
+                <a:tc>
+                  <a:txBody>
+                    <a:bodyPr/>
+                    <a:lstStyle/>
+                    <a:p>
+                      <a:pPr algn="ctr"/>
+                      <a:r>
+                        <a:rPr lang="en-US" sz="4000" b="0" dirty="0"/>
+                        <a:t>180</a:t>
+                      </a:r>
+                    </a:p>
+                  </a:txBody>
+                  <a:tcPr>
+                    <a:lnB w="12700" cap="flat" cmpd="sng" algn="ctr">
+                      <a:solidFill>
+                        <a:schemeClr val="tx1"/>
+                      </a:solidFill>
+                      <a:prstDash val="solid"/>
+                      <a:round/>
+                      <a:headEnd type="none" w="med" len="med"/>
+                      <a:tailEnd type="none" w="med" len="med"/>
+                    </a:lnB>
+                    <a:solidFill>
+                      <a:schemeClr val="bg1"/>
+                    </a:solidFill>
+                  </a:tcPr>
+                </a:tc>
+                <a:tc>
+                  <a:txBody>
+                    <a:bodyPr/>
+                    <a:lstStyle/>
+                    <a:p>
+                      <a:pPr algn="ctr"/>
+                      <a:r>
+                        <a:rPr lang="en-US" sz="4000" b="0" dirty="0"/>
+                        <a:t>184</a:t>
+                      </a:r>
+                    </a:p>
+                  </a:txBody>
+                  <a:tcPr>
+                    <a:lnB w="12700" cap="flat" cmpd="sng" algn="ctr">
+                      <a:solidFill>
+                        <a:schemeClr val="tx1"/>
+                      </a:solidFill>
+                      <a:prstDash val="solid"/>
+                      <a:round/>
+                      <a:headEnd type="none" w="med" len="med"/>
+                      <a:tailEnd type="none" w="med" len="med"/>
+                    </a:lnB>
+                    <a:solidFill>
+                      <a:schemeClr val="bg1"/>
+                    </a:solidFill>
+                  </a:tcPr>
+                </a:tc>
+                <a:tc>
+                  <a:txBody>
+                    <a:bodyPr/>
+                    <a:lstStyle/>
+                    <a:p>
+                      <a:pPr algn="ctr"/>
+                      <a:r>
+                        <a:rPr lang="en-US" sz="4000" b="0" dirty="0"/>
+                        <a:t>285</a:t>
+                      </a:r>
+                    </a:p>
+                  </a:txBody>
+                  <a:tcPr>
+                    <a:lnB w="12700" cap="flat" cmpd="sng" algn="ctr">
+                      <a:solidFill>
+                        <a:schemeClr val="tx1"/>
+                      </a:solidFill>
+                      <a:prstDash val="solid"/>
+                      <a:round/>
+                      <a:headEnd type="none" w="med" len="med"/>
+                      <a:tailEnd type="none" w="med" len="med"/>
+                    </a:lnB>
+                    <a:solidFill>
+                      <a:schemeClr val="bg1"/>
+                    </a:solidFill>
+                  </a:tcPr>
+                </a:tc>
+                <a:tc>
+                  <a:txBody>
+                    <a:bodyPr/>
+                    <a:lstStyle/>
+                    <a:p>
+                      <a:pPr algn="ctr"/>
+                      <a:r>
+                        <a:rPr lang="en-US" sz="4000" b="0" dirty="0"/>
+                        <a:t>185</a:t>
+                      </a:r>
+                    </a:p>
+                  </a:txBody>
+                  <a:tcPr>
+                    <a:lnB w="12700" cap="flat" cmpd="sng" algn="ctr">
+                      <a:solidFill>
+                        <a:schemeClr val="tx1"/>
+                      </a:solidFill>
+                      <a:prstDash val="solid"/>
+                      <a:round/>
+                      <a:headEnd type="none" w="med" len="med"/>
+                      <a:tailEnd type="none" w="med" len="med"/>
+                    </a:lnB>
+                    <a:solidFill>
+                      <a:schemeClr val="bg1"/>
+                    </a:solidFill>
+                  </a:tcPr>
+                </a:tc>
+                <a:tc>
+                  <a:txBody>
+                    <a:bodyPr/>
+                    <a:lstStyle/>
+                    <a:p>
+                      <a:pPr algn="ctr"/>
+                      <a:r>
+                        <a:rPr lang="en-US" sz="4000" b="0" dirty="0"/>
+                        <a:t>180</a:t>
+                      </a:r>
+                    </a:p>
+                  </a:txBody>
+                  <a:tcPr>
+                    <a:lnB w="12700" cap="flat" cmpd="sng" algn="ctr">
+                      <a:solidFill>
+                        <a:schemeClr val="tx1"/>
+                      </a:solidFill>
+                      <a:prstDash val="solid"/>
+                      <a:round/>
+                      <a:headEnd type="none" w="med" len="med"/>
+                      <a:tailEnd type="none" w="med" len="med"/>
+                    </a:lnB>
+                    <a:solidFill>
+                      <a:schemeClr val="bg1"/>
+                    </a:solidFill>
+                  </a:tcPr>
+                </a:tc>
+                <a:tc>
+                  <a:txBody>
+                    <a:bodyPr/>
+                    <a:lstStyle/>
+                    <a:p>
+                      <a:pPr algn="ctr"/>
+                      <a:r>
+                        <a:rPr lang="en-US" sz="4000" b="0" dirty="0"/>
+                        <a:t>2045</a:t>
+                      </a:r>
+                    </a:p>
+                  </a:txBody>
+                  <a:tcPr>
+                    <a:lnR w="12700" cap="flat" cmpd="sng" algn="ctr">
+                      <a:solidFill>
+                        <a:schemeClr val="tx1"/>
+                      </a:solidFill>
+                      <a:prstDash val="solid"/>
+                      <a:round/>
+                      <a:headEnd type="none" w="med" len="med"/>
+                      <a:tailEnd type="none" w="med" len="med"/>
+                    </a:lnR>
+                    <a:lnB w="12700" cap="flat" cmpd="sng" algn="ctr">
+                      <a:solidFill>
+                        <a:schemeClr val="tx1"/>
+                      </a:solidFill>
+                      <a:prstDash val="solid"/>
+                      <a:round/>
+                      <a:headEnd type="none" w="med" len="med"/>
+                      <a:tailEnd type="none" w="med" len="med"/>
+                    </a:lnB>
+                    <a:solidFill>
+                      <a:schemeClr val="bg1"/>
+                    </a:solidFill>
+                  </a:tcPr>
+                </a:tc>
+                <a:extLst>
+                  <a:ext uri="{0D108BD9-81ED-4DB2-BD59-A6C34878D82A}">
+                    <a16:rowId xmlns:a16="http://schemas.microsoft.com/office/drawing/2014/main" val="1247160338"/>
+                  </a:ext>
+                </a:extLst>
+              </a:tr>
+            </a:tbl>
+          </a:graphicData>
+        </a:graphic>
+      </p:graphicFrame>
+      <p:sp>
+        <p:nvSpPr>
+          <p:cNvPr id="17" name="TextBox 16">
+            <a:extLst>
+              <a:ext uri="{FF2B5EF4-FFF2-40B4-BE49-F238E27FC236}">
+                <a16:creationId xmlns:a16="http://schemas.microsoft.com/office/drawing/2014/main" id="{1E54828C-D767-402F-9D36-C1690FF64309}"/>
+              </a:ext>
+            </a:extLst>
+          </p:cNvPr>
+          <p:cNvSpPr txBox="1"/>
+          <p:nvPr/>
+        </p:nvSpPr>
+        <p:spPr>
+          <a:xfrm>
+            <a:off x="24168080" y="16455539"/>
+            <a:ext cx="6628380" cy="707886"/>
+          </a:xfrm>
+          <a:prstGeom prst="rect">
+            <a:avLst/>
+          </a:prstGeom>
+          <a:noFill/>
+        </p:spPr>
+        <p:txBody>
+          <a:bodyPr wrap="square" rtlCol="0">
+            <a:spAutoFit/>
+          </a:bodyPr>
+          <a:lstStyle/>
+          <a:p>
+            <a:pPr algn="ctr"/>
+            <a:r>
+              <a:rPr lang="en-US" sz="4000" dirty="0">
+                <a:solidFill>
+                  <a:schemeClr val="bg2">
+                    <a:lumMod val="75000"/>
+                  </a:schemeClr>
+                </a:solidFill>
+              </a:rPr>
+              <a:t>Unlabeled Images</a:t>
+            </a:r>
+          </a:p>
+        </p:txBody>
+      </p:sp>
+      <p:sp>
+        <p:nvSpPr>
+          <p:cNvPr id="25" name="TextBox 24">
+            <a:extLst>
+              <a:ext uri="{FF2B5EF4-FFF2-40B4-BE49-F238E27FC236}">
+                <a16:creationId xmlns:a16="http://schemas.microsoft.com/office/drawing/2014/main" id="{4C4540B3-E11E-4730-AC04-82EE69F3FCA3}"/>
+              </a:ext>
+            </a:extLst>
+          </p:cNvPr>
+          <p:cNvSpPr txBox="1"/>
+          <p:nvPr/>
+        </p:nvSpPr>
+        <p:spPr>
+          <a:xfrm>
+            <a:off x="160769" y="21387036"/>
+            <a:ext cx="9379540" cy="461665"/>
+          </a:xfrm>
+          <a:prstGeom prst="rect">
+            <a:avLst/>
+          </a:prstGeom>
+          <a:noFill/>
+        </p:spPr>
+        <p:txBody>
+          <a:bodyPr wrap="square" rtlCol="0">
+            <a:spAutoFit/>
+          </a:bodyPr>
+          <a:lstStyle/>
+          <a:p>
+            <a:r>
+              <a:rPr lang="en-US" sz="2400" dirty="0"/>
+              <a:t>By: Thomas </a:t>
+            </a:r>
+            <a:r>
+              <a:rPr lang="en-US" sz="2400" dirty="0" err="1"/>
+              <a:t>Aurigemma</a:t>
+            </a:r>
+            <a:r>
+              <a:rPr lang="en-US" sz="2400" dirty="0"/>
+              <a:t> and Liam Rothschild-Shea</a:t>
             </a:r>
           </a:p>
         </p:txBody>

--- a/Poster.pptx
+++ b/Poster.pptx
@@ -789,9 +789,9 @@
           <c:invertIfNegative val="0"/>
           <c:cat>
             <c:strRef>
-              <c:f>Sheet1!$A$2:$A$13</c:f>
+              <c:f>Sheet1!$A$2:$A$14</c:f>
               <c:strCache>
-                <c:ptCount val="12"/>
+                <c:ptCount val="13"/>
                 <c:pt idx="0">
                   <c:v>Airplane</c:v>
                 </c:pt>
@@ -827,16 +827,19 @@
                 </c:pt>
                 <c:pt idx="11">
                   <c:v>Standard NN</c:v>
+                </c:pt>
+                <c:pt idx="12">
+                  <c:v>Correct/Labeled</c:v>
                 </c:pt>
               </c:strCache>
             </c:strRef>
           </c:cat>
           <c:val>
             <c:numRef>
-              <c:f>Sheet1!$B$2:$B$13</c:f>
+              <c:f>Sheet1!$B$2:$B$14</c:f>
               <c:numCache>
                 <c:formatCode>General</c:formatCode>
-                <c:ptCount val="12"/>
+                <c:ptCount val="13"/>
                 <c:pt idx="0">
                   <c:v>95.73</c:v>
                 </c:pt>
@@ -872,6 +875,9 @@
                 </c:pt>
                 <c:pt idx="11">
                   <c:v>81.03</c:v>
+                </c:pt>
+                <c:pt idx="12">
+                  <c:v>89.26</c:v>
                 </c:pt>
               </c:numCache>
             </c:numRef>
@@ -908,9 +914,9 @@
           <c:invertIfNegative val="0"/>
           <c:cat>
             <c:strRef>
-              <c:f>Sheet1!$A$2:$A$13</c:f>
+              <c:f>Sheet1!$A$2:$A$14</c:f>
               <c:strCache>
-                <c:ptCount val="12"/>
+                <c:ptCount val="13"/>
                 <c:pt idx="0">
                   <c:v>Airplane</c:v>
                 </c:pt>
@@ -946,16 +952,19 @@
                 </c:pt>
                 <c:pt idx="11">
                   <c:v>Standard NN</c:v>
+                </c:pt>
+                <c:pt idx="12">
+                  <c:v>Correct/Labeled</c:v>
                 </c:pt>
               </c:strCache>
             </c:strRef>
           </c:cat>
           <c:val>
             <c:numRef>
-              <c:f>Sheet1!$C$2:$C$13</c:f>
+              <c:f>Sheet1!$C$2:$C$14</c:f>
               <c:numCache>
                 <c:formatCode>General</c:formatCode>
-                <c:ptCount val="12"/>
+                <c:ptCount val="13"/>
               </c:numCache>
             </c:numRef>
           </c:val>
@@ -991,9 +1000,9 @@
           <c:invertIfNegative val="0"/>
           <c:cat>
             <c:strRef>
-              <c:f>Sheet1!$A$2:$A$13</c:f>
+              <c:f>Sheet1!$A$2:$A$14</c:f>
               <c:strCache>
-                <c:ptCount val="12"/>
+                <c:ptCount val="13"/>
                 <c:pt idx="0">
                   <c:v>Airplane</c:v>
                 </c:pt>
@@ -1029,16 +1038,19 @@
                 </c:pt>
                 <c:pt idx="11">
                   <c:v>Standard NN</c:v>
+                </c:pt>
+                <c:pt idx="12">
+                  <c:v>Correct/Labeled</c:v>
                 </c:pt>
               </c:strCache>
             </c:strRef>
           </c:cat>
           <c:val>
             <c:numRef>
-              <c:f>Sheet1!$D$2:$D$13</c:f>
+              <c:f>Sheet1!$D$2:$D$14</c:f>
               <c:numCache>
                 <c:formatCode>General</c:formatCode>
-                <c:ptCount val="12"/>
+                <c:ptCount val="13"/>
               </c:numCache>
             </c:numRef>
           </c:val>
@@ -5248,7 +5260,7 @@
           <p:nvPr>
             <p:extLst>
               <p:ext uri="{D42A27DB-BD31-4B8C-83A1-F6EECF244321}">
-                <p14:modId xmlns:p14="http://schemas.microsoft.com/office/powerpoint/2010/main" val="1100070267"/>
+                <p14:modId xmlns:p14="http://schemas.microsoft.com/office/powerpoint/2010/main" val="544156692"/>
               </p:ext>
             </p:extLst>
           </p:nvPr>
@@ -5371,8 +5383,8 @@
         </p:blipFill>
         <p:spPr>
           <a:xfrm>
-            <a:off x="23189447" y="3495847"/>
-            <a:ext cx="8772452" cy="6524511"/>
+            <a:off x="23189446" y="3495847"/>
+            <a:ext cx="9034333" cy="6719285"/>
           </a:xfrm>
           <a:prstGeom prst="rect">
             <a:avLst/>
@@ -6388,7 +6400,7 @@
               <a:rPr lang="en-US" sz="4000" dirty="0">
                 <a:solidFill>
                   <a:schemeClr val="bg2">
-                    <a:lumMod val="75000"/>
+                    <a:lumMod val="50000"/>
                   </a:schemeClr>
                 </a:solidFill>
               </a:rPr>
